--- a/Componentes-teoricos/Slide móvil sesión 11 semana 4 .pptx
+++ b/Componentes-teoricos/Slide móvil sesión 11 semana 4 .pptx
@@ -2,23 +2,23 @@
 <file path=ppt/presentation.xml><?xml version="1.0" encoding="utf-8"?>
 <p:presentation xmlns:a="http://schemas.openxmlformats.org/drawingml/2006/main" xmlns:r="http://schemas.openxmlformats.org/officeDocument/2006/relationships" xmlns:mc="http://schemas.openxmlformats.org/markup-compatibility/2006" xmlns:mv="urn:schemas-microsoft-com:mac:vml" xmlns:p="http://schemas.openxmlformats.org/presentationml/2006/main" xmlns:c="http://schemas.openxmlformats.org/drawingml/2006/chart" xmlns:dgm="http://schemas.openxmlformats.org/drawingml/2006/diagram" xmlns:o="urn:schemas-microsoft-com:office:office" xmlns:v="urn:schemas-microsoft-com:vml" xmlns:pvml="urn:schemas-microsoft-com:office:powerpoint" xmlns:com="http://schemas.openxmlformats.org/drawingml/2006/compatibility" xmlns:p14="http://schemas.microsoft.com/office/powerpoint/2010/main" xmlns:p15="http://schemas.microsoft.com/office/powerpoint/2012/main" xmlns:ahyp="http://schemas.microsoft.com/office/drawing/2018/hyperlinkcolor" autoCompressPictures="0" strictFirstAndLastChars="0" saveSubsetFonts="1">
   <p:sldMasterIdLst>
-    <p:sldMasterId id="2147483648" r:id="rId5"/>
+    <p:sldMasterId id="2147483648" r:id="rId4"/>
   </p:sldMasterIdLst>
   <p:notesMasterIdLst>
-    <p:notesMasterId r:id="rId6"/>
+    <p:notesMasterId r:id="rId5"/>
   </p:notesMasterIdLst>
   <p:sldIdLst>
-    <p:sldId id="256" r:id="rId7"/>
-    <p:sldId id="257" r:id="rId8"/>
-    <p:sldId id="258" r:id="rId9"/>
-    <p:sldId id="259" r:id="rId10"/>
-    <p:sldId id="260" r:id="rId11"/>
-    <p:sldId id="261" r:id="rId12"/>
-    <p:sldId id="262" r:id="rId13"/>
-    <p:sldId id="263" r:id="rId14"/>
-    <p:sldId id="264" r:id="rId15"/>
-    <p:sldId id="265" r:id="rId16"/>
-    <p:sldId id="266" r:id="rId17"/>
+    <p:sldId id="256" r:id="rId6"/>
+    <p:sldId id="257" r:id="rId7"/>
+    <p:sldId id="258" r:id="rId8"/>
+    <p:sldId id="259" r:id="rId9"/>
+    <p:sldId id="260" r:id="rId10"/>
+    <p:sldId id="261" r:id="rId11"/>
+    <p:sldId id="262" r:id="rId12"/>
+    <p:sldId id="263" r:id="rId13"/>
+    <p:sldId id="264" r:id="rId14"/>
+    <p:sldId id="265" r:id="rId15"/>
+    <p:sldId id="266" r:id="rId16"/>
   </p:sldIdLst>
   <p:sldSz cy="5143500" cx="9144000"/>
   <p:notesSz cx="6858000" cy="9144000"/>
@@ -267,56 +267,10 @@
       </p15:sldGuideLst>
     </p:ext>
     <p:ext uri="http://customooxmlschemas.google.com/">
-      <go:slidesCustomData xmlns:go="http://customooxmlschemas.google.com/" r:id="rId18" roundtripDataSignature="AMtx7mi3qAkHNmFXUxkCwssQrDTH1dbaww=="/>
+      <go:slidesCustomData xmlns:go="http://customooxmlschemas.google.com/" r:id="rId17" roundtripDataSignature="AMtx7miwmryfFBYuiFVTWdHrgZ3j+0rBOA=="/>
     </p:ext>
   </p:extLst>
 </p:presentation>
-</file>
-
-<file path=ppt/commentAuthors.xml><?xml version="1.0" encoding="utf-8"?>
-<p:cmAuthorLst xmlns:a="http://schemas.openxmlformats.org/drawingml/2006/main" xmlns:r="http://schemas.openxmlformats.org/officeDocument/2006/relationships" xmlns:mc="http://schemas.openxmlformats.org/markup-compatibility/2006" xmlns:mv="urn:schemas-microsoft-com:mac:vml" xmlns:p="http://schemas.openxmlformats.org/presentationml/2006/main" xmlns:c="http://schemas.openxmlformats.org/drawingml/2006/chart" xmlns:dgm="http://schemas.openxmlformats.org/drawingml/2006/diagram" xmlns:o="urn:schemas-microsoft-com:office:office" xmlns:v="urn:schemas-microsoft-com:vml" xmlns:pvml="urn:schemas-microsoft-com:office:powerpoint" xmlns:com="http://schemas.openxmlformats.org/drawingml/2006/compatibility" xmlns:p14="http://schemas.microsoft.com/office/powerpoint/2010/main" xmlns:p15="http://schemas.microsoft.com/office/powerpoint/2012/main" xmlns:ahyp="http://schemas.microsoft.com/office/drawing/2018/hyperlinkcolor">
-  <p:cmAuthor clrIdx="0" id="0" initials="" lastIdx="2" name="Franklin Enmanuel Zabaleta Torres"/>
-</p:cmAuthorLst>
-</file>
-
-<file path=ppt/comments/comment1.xml><?xml version="1.0" encoding="utf-8"?>
-<p:cmLst xmlns:a="http://schemas.openxmlformats.org/drawingml/2006/main" xmlns:r="http://schemas.openxmlformats.org/officeDocument/2006/relationships" xmlns:mc="http://schemas.openxmlformats.org/markup-compatibility/2006" xmlns:mv="urn:schemas-microsoft-com:mac:vml" xmlns:p="http://schemas.openxmlformats.org/presentationml/2006/main" xmlns:c="http://schemas.openxmlformats.org/drawingml/2006/chart" xmlns:dgm="http://schemas.openxmlformats.org/drawingml/2006/diagram" xmlns:o="urn:schemas-microsoft-com:office:office" xmlns:v="urn:schemas-microsoft-com:vml" xmlns:pvml="urn:schemas-microsoft-com:office:powerpoint" xmlns:com="http://schemas.openxmlformats.org/drawingml/2006/compatibility" xmlns:p14="http://schemas.microsoft.com/office/powerpoint/2010/main" xmlns:p15="http://schemas.microsoft.com/office/powerpoint/2012/main" xmlns:ahyp="http://schemas.microsoft.com/office/drawing/2018/hyperlinkcolor">
-  <p:cm authorId="0" idx="1" dt="2021-09-29T19:48:31.755">
-    <p:pos x="548" y="1086"/>
-    <p:text>@camaranto@uninorte.edu.co Carbon
-_Assigned to Carlos Andres Conrado Amaranto_</p:text>
-    <p:extLst>
-      <p:ext uri="{C676402C-5697-4E1C-873F-D02D1690AC5C}">
-        <p15:threadingInfo timeZoneBias="0"/>
-      </p:ext>
-      <p:ext uri="http://customooxmlschemas.google.com/">
-        <go:slidesCustomData xmlns:go="http://customooxmlschemas.google.com/" commentPostId="AAAAQgZ47Yk"/>
-      </p:ext>
-    </p:extLst>
-  </p:cm>
-</p:cmLst>
-</file>
-
-<file path=ppt/comments/comment2.xml><?xml version="1.0" encoding="utf-8"?>
-<p:cmLst xmlns:a="http://schemas.openxmlformats.org/drawingml/2006/main" xmlns:r="http://schemas.openxmlformats.org/officeDocument/2006/relationships" xmlns:mc="http://schemas.openxmlformats.org/markup-compatibility/2006" xmlns:mv="urn:schemas-microsoft-com:mac:vml" xmlns:p="http://schemas.openxmlformats.org/presentationml/2006/main" xmlns:c="http://schemas.openxmlformats.org/drawingml/2006/chart" xmlns:dgm="http://schemas.openxmlformats.org/drawingml/2006/diagram" xmlns:o="urn:schemas-microsoft-com:office:office" xmlns:v="urn:schemas-microsoft-com:vml" xmlns:pvml="urn:schemas-microsoft-com:office:powerpoint" xmlns:com="http://schemas.openxmlformats.org/drawingml/2006/compatibility" xmlns:p14="http://schemas.microsoft.com/office/powerpoint/2010/main" xmlns:p15="http://schemas.microsoft.com/office/powerpoint/2012/main" xmlns:ahyp="http://schemas.microsoft.com/office/drawing/2018/hyperlinkcolor">
-  <p:cm authorId="0" idx="2" dt="2021-09-29T19:39:00.535">
-    <p:pos x="548" y="1345"/>
-    <p:text>@camaranto@uninorte.edu.co
-quitar los imports y poner:
-// We get the Firestore instance
-final _dbReference = FirebaseDatabase.instance.reference();
-_dbReference.child....(lo que esta en la imagen)
-_Assigned to Carlos Andres Conrado Amaranto_</p:text>
-    <p:extLst>
-      <p:ext uri="{C676402C-5697-4E1C-873F-D02D1690AC5C}">
-        <p15:threadingInfo timeZoneBias="0"/>
-      </p:ext>
-      <p:ext uri="http://customooxmlschemas.google.com/">
-        <go:slidesCustomData xmlns:go="http://customooxmlschemas.google.com/" commentPostId="AAAAQgZ47Yg"/>
-      </p:ext>
-    </p:extLst>
-  </p:cm>
-</p:cmLst>
 </file>
 
 <file path=ppt/notesMasters/notesMaster1.xml><?xml version="1.0" encoding="utf-8"?>
@@ -1002,7 +956,7 @@
   <p:cSld>
     <p:spTree>
       <p:nvGrpSpPr>
-        <p:cNvPr id="194" name="Shape 194"/>
+        <p:cNvPr id="197" name="Shape 197"/>
         <p:cNvGrpSpPr/>
         <p:nvPr/>
       </p:nvGrpSpPr>
@@ -1016,7 +970,7 @@
       </p:grpSpPr>
       <p:sp>
         <p:nvSpPr>
-          <p:cNvPr id="195" name="Google Shape;195;gf246d3ed4e_0_0:notes"/>
+          <p:cNvPr id="198" name="Google Shape;198;gf246d3ed4e_0_0:notes"/>
           <p:cNvSpPr txBox="1"/>
           <p:nvPr>
             <p:ph idx="1" type="body"/>
@@ -1063,7 +1017,7 @@
       </p:sp>
       <p:sp>
         <p:nvSpPr>
-          <p:cNvPr id="196" name="Google Shape;196;gf246d3ed4e_0_0:notes"/>
+          <p:cNvPr id="199" name="Google Shape;199;gf246d3ed4e_0_0:notes"/>
           <p:cNvSpPr/>
           <p:nvPr>
             <p:ph idx="2" type="sldImg"/>
@@ -1119,7 +1073,7 @@
   <p:cSld>
     <p:spTree>
       <p:nvGrpSpPr>
-        <p:cNvPr id="199" name="Shape 199"/>
+        <p:cNvPr id="202" name="Shape 202"/>
         <p:cNvGrpSpPr/>
         <p:nvPr/>
       </p:nvGrpSpPr>
@@ -1133,7 +1087,7 @@
       </p:grpSpPr>
       <p:sp>
         <p:nvSpPr>
-          <p:cNvPr id="200" name="Google Shape;200;p36:notes"/>
+          <p:cNvPr id="203" name="Google Shape;203;p36:notes"/>
           <p:cNvSpPr txBox="1"/>
           <p:nvPr>
             <p:ph idx="1" type="body"/>
@@ -1180,7 +1134,7 @@
       </p:sp>
       <p:sp>
         <p:nvSpPr>
-          <p:cNvPr id="201" name="Google Shape;201;p36:notes"/>
+          <p:cNvPr id="204" name="Google Shape;204;p36:notes"/>
           <p:cNvSpPr/>
           <p:nvPr>
             <p:ph idx="2" type="sldImg"/>
@@ -1745,6 +1699,223 @@
           <a:p>
             <a:pPr indent="0" lvl="0" marL="0" rtl="0" algn="l">
               <a:lnSpc>
+                <a:spcPct val="135714"/>
+              </a:lnSpc>
+              <a:spcBef>
+                <a:spcPts val="0"/>
+              </a:spcBef>
+              <a:spcAft>
+                <a:spcPts val="0"/>
+              </a:spcAft>
+              <a:buClr>
+                <a:schemeClr val="dk1"/>
+              </a:buClr>
+              <a:buSzPts val="1100"/>
+              <a:buFont typeface="Arial"/>
+              <a:buNone/>
+            </a:pPr>
+            <a:r>
+              <a:rPr lang="es" sz="1050">
+                <a:solidFill>
+                  <a:srgbClr val="D4D4D4"/>
+                </a:solidFill>
+                <a:highlight>
+                  <a:srgbClr val="1E1E1E"/>
+                </a:highlight>
+                <a:latin typeface="Courier New"/>
+                <a:ea typeface="Courier New"/>
+                <a:cs typeface="Courier New"/>
+                <a:sym typeface="Courier New"/>
+              </a:rPr>
+              <a:t>$ flutter pub add firebase_database</a:t>
+            </a:r>
+            <a:endParaRPr sz="1050">
+              <a:solidFill>
+                <a:srgbClr val="D4D4D4"/>
+              </a:solidFill>
+              <a:highlight>
+                <a:srgbClr val="1E1E1E"/>
+              </a:highlight>
+              <a:latin typeface="Courier New"/>
+              <a:ea typeface="Courier New"/>
+              <a:cs typeface="Courier New"/>
+              <a:sym typeface="Courier New"/>
+            </a:endParaRPr>
+          </a:p>
+          <a:p>
+            <a:pPr indent="0" lvl="0" marL="0" rtl="0" algn="l">
+              <a:lnSpc>
+                <a:spcPct val="135714"/>
+              </a:lnSpc>
+              <a:spcBef>
+                <a:spcPts val="0"/>
+              </a:spcBef>
+              <a:spcAft>
+                <a:spcPts val="0"/>
+              </a:spcAft>
+              <a:buClr>
+                <a:schemeClr val="dk1"/>
+              </a:buClr>
+              <a:buSzPts val="1100"/>
+              <a:buFont typeface="Arial"/>
+              <a:buNone/>
+            </a:pPr>
+            <a:r>
+              <a:t/>
+            </a:r>
+            <a:endParaRPr sz="1050">
+              <a:solidFill>
+                <a:srgbClr val="D4D4D4"/>
+              </a:solidFill>
+              <a:highlight>
+                <a:srgbClr val="1E1E1E"/>
+              </a:highlight>
+              <a:latin typeface="Courier New"/>
+              <a:ea typeface="Courier New"/>
+              <a:cs typeface="Courier New"/>
+              <a:sym typeface="Courier New"/>
+            </a:endParaRPr>
+          </a:p>
+          <a:p>
+            <a:pPr indent="0" lvl="0" marL="0" rtl="0" algn="l">
+              <a:lnSpc>
+                <a:spcPct val="135714"/>
+              </a:lnSpc>
+              <a:spcBef>
+                <a:spcPts val="0"/>
+              </a:spcBef>
+              <a:spcAft>
+                <a:spcPts val="0"/>
+              </a:spcAft>
+              <a:buClr>
+                <a:schemeClr val="dk1"/>
+              </a:buClr>
+              <a:buSzPts val="1100"/>
+              <a:buFont typeface="Arial"/>
+              <a:buNone/>
+            </a:pPr>
+            <a:r>
+              <a:rPr lang="es" sz="1050">
+                <a:solidFill>
+                  <a:srgbClr val="D4D4D4"/>
+                </a:solidFill>
+                <a:highlight>
+                  <a:srgbClr val="1E1E1E"/>
+                </a:highlight>
+                <a:latin typeface="Courier New"/>
+                <a:ea typeface="Courier New"/>
+                <a:cs typeface="Courier New"/>
+                <a:sym typeface="Courier New"/>
+              </a:rPr>
+              <a:t>dependencies:</a:t>
+            </a:r>
+            <a:endParaRPr sz="1050">
+              <a:solidFill>
+                <a:srgbClr val="D4D4D4"/>
+              </a:solidFill>
+              <a:highlight>
+                <a:srgbClr val="1E1E1E"/>
+              </a:highlight>
+              <a:latin typeface="Courier New"/>
+              <a:ea typeface="Courier New"/>
+              <a:cs typeface="Courier New"/>
+              <a:sym typeface="Courier New"/>
+            </a:endParaRPr>
+          </a:p>
+          <a:p>
+            <a:pPr indent="0" lvl="0" marL="0" rtl="0" algn="l">
+              <a:lnSpc>
+                <a:spcPct val="135714"/>
+              </a:lnSpc>
+              <a:spcBef>
+                <a:spcPts val="0"/>
+              </a:spcBef>
+              <a:spcAft>
+                <a:spcPts val="0"/>
+              </a:spcAft>
+              <a:buClr>
+                <a:schemeClr val="dk1"/>
+              </a:buClr>
+              <a:buSzPts val="1100"/>
+              <a:buFont typeface="Arial"/>
+              <a:buNone/>
+            </a:pPr>
+            <a:r>
+              <a:rPr lang="es" sz="1050">
+                <a:solidFill>
+                  <a:srgbClr val="D4D4D4"/>
+                </a:solidFill>
+                <a:highlight>
+                  <a:srgbClr val="1E1E1E"/>
+                </a:highlight>
+                <a:latin typeface="Courier New"/>
+                <a:ea typeface="Courier New"/>
+                <a:cs typeface="Courier New"/>
+                <a:sym typeface="Courier New"/>
+              </a:rPr>
+              <a:t> firebase_datase: ^</a:t>
+            </a:r>
+            <a:r>
+              <a:rPr lang="es" sz="1050">
+                <a:solidFill>
+                  <a:srgbClr val="B5CEA8"/>
+                </a:solidFill>
+                <a:highlight>
+                  <a:srgbClr val="1E1E1E"/>
+                </a:highlight>
+                <a:latin typeface="Courier New"/>
+                <a:ea typeface="Courier New"/>
+                <a:cs typeface="Courier New"/>
+                <a:sym typeface="Courier New"/>
+              </a:rPr>
+              <a:t>8.0</a:t>
+            </a:r>
+            <a:r>
+              <a:rPr lang="es" sz="1050">
+                <a:solidFill>
+                  <a:srgbClr val="D4D4D4"/>
+                </a:solidFill>
+                <a:highlight>
+                  <a:srgbClr val="1E1E1E"/>
+                </a:highlight>
+                <a:latin typeface="Courier New"/>
+                <a:ea typeface="Courier New"/>
+                <a:cs typeface="Courier New"/>
+                <a:sym typeface="Courier New"/>
+              </a:rPr>
+              <a:t>.</a:t>
+            </a:r>
+            <a:r>
+              <a:rPr lang="es" sz="1050">
+                <a:solidFill>
+                  <a:srgbClr val="B5CEA8"/>
+                </a:solidFill>
+                <a:highlight>
+                  <a:srgbClr val="1E1E1E"/>
+                </a:highlight>
+                <a:latin typeface="Courier New"/>
+                <a:ea typeface="Courier New"/>
+                <a:cs typeface="Courier New"/>
+                <a:sym typeface="Courier New"/>
+              </a:rPr>
+              <a:t>0</a:t>
+            </a:r>
+            <a:endParaRPr sz="1050">
+              <a:solidFill>
+                <a:srgbClr val="B5CEA8"/>
+              </a:solidFill>
+              <a:highlight>
+                <a:srgbClr val="1E1E1E"/>
+              </a:highlight>
+              <a:latin typeface="Courier New"/>
+              <a:ea typeface="Courier New"/>
+              <a:cs typeface="Courier New"/>
+              <a:sym typeface="Courier New"/>
+            </a:endParaRPr>
+          </a:p>
+          <a:p>
+            <a:pPr indent="0" lvl="0" marL="0" rtl="0" algn="l">
+              <a:lnSpc>
                 <a:spcPct val="100000"/>
               </a:lnSpc>
               <a:spcBef>
@@ -1821,7 +1992,7 @@
   <p:cSld>
     <p:spTree>
       <p:nvGrpSpPr>
-        <p:cNvPr id="175" name="Shape 175"/>
+        <p:cNvPr id="177" name="Shape 177"/>
         <p:cNvGrpSpPr/>
         <p:nvPr/>
       </p:nvGrpSpPr>
@@ -1835,7 +2006,7 @@
       </p:grpSpPr>
       <p:sp>
         <p:nvSpPr>
-          <p:cNvPr id="176" name="Google Shape;176;gefe61a51f9_0_5:notes"/>
+          <p:cNvPr id="178" name="Google Shape;178;gefe61a51f9_0_5:notes"/>
           <p:cNvSpPr txBox="1"/>
           <p:nvPr>
             <p:ph idx="1" type="body"/>
@@ -1862,6 +2033,82 @@
           <a:p>
             <a:pPr indent="0" lvl="0" marL="0" rtl="0" algn="l">
               <a:lnSpc>
+                <a:spcPct val="135714"/>
+              </a:lnSpc>
+              <a:spcBef>
+                <a:spcPts val="0"/>
+              </a:spcBef>
+              <a:spcAft>
+                <a:spcPts val="0"/>
+              </a:spcAft>
+              <a:buClr>
+                <a:schemeClr val="dk1"/>
+              </a:buClr>
+              <a:buSzPts val="1100"/>
+              <a:buFont typeface="Arial"/>
+              <a:buNone/>
+            </a:pPr>
+            <a:r>
+              <a:rPr lang="es" sz="1050">
+                <a:solidFill>
+                  <a:srgbClr val="D4D4D4"/>
+                </a:solidFill>
+                <a:highlight>
+                  <a:srgbClr val="1E1E1E"/>
+                </a:highlight>
+                <a:latin typeface="Courier New"/>
+                <a:ea typeface="Courier New"/>
+                <a:cs typeface="Courier New"/>
+                <a:sym typeface="Courier New"/>
+              </a:rPr>
+              <a:t>_dbReference.</a:t>
+            </a:r>
+            <a:r>
+              <a:rPr lang="es" sz="1050">
+                <a:solidFill>
+                  <a:srgbClr val="DCDCAA"/>
+                </a:solidFill>
+                <a:highlight>
+                  <a:srgbClr val="1E1E1E"/>
+                </a:highlight>
+                <a:latin typeface="Courier New"/>
+                <a:ea typeface="Courier New"/>
+                <a:cs typeface="Courier New"/>
+                <a:sym typeface="Courier New"/>
+              </a:rPr>
+              <a:t>child</a:t>
+            </a:r>
+            <a:r>
+              <a:rPr lang="es" sz="1050">
+                <a:solidFill>
+                  <a:srgbClr val="D4D4D4"/>
+                </a:solidFill>
+                <a:highlight>
+                  <a:srgbClr val="1E1E1E"/>
+                </a:highlight>
+                <a:latin typeface="Courier New"/>
+                <a:ea typeface="Courier New"/>
+                <a:cs typeface="Courier New"/>
+                <a:sym typeface="Courier New"/>
+              </a:rPr>
+              <a:t>(documentPath)</a:t>
+            </a:r>
+            <a:endParaRPr sz="1050">
+              <a:solidFill>
+                <a:srgbClr val="D4D4D4"/>
+              </a:solidFill>
+              <a:highlight>
+                <a:srgbClr val="1E1E1E"/>
+              </a:highlight>
+              <a:latin typeface="Courier New"/>
+              <a:ea typeface="Courier New"/>
+              <a:cs typeface="Courier New"/>
+              <a:sym typeface="Courier New"/>
+            </a:endParaRPr>
+          </a:p>
+          <a:p>
+            <a:pPr indent="0" lvl="0" marL="0" rtl="0" algn="l">
+              <a:lnSpc>
                 <a:spcPct val="100000"/>
               </a:lnSpc>
               <a:spcBef>
@@ -1882,7 +2129,7 @@
       </p:sp>
       <p:sp>
         <p:nvSpPr>
-          <p:cNvPr id="177" name="Google Shape;177;gefe61a51f9_0_5:notes"/>
+          <p:cNvPr id="179" name="Google Shape;179;gefe61a51f9_0_5:notes"/>
           <p:cNvSpPr/>
           <p:nvPr>
             <p:ph idx="2" type="sldImg"/>
@@ -1938,7 +2185,7 @@
   <p:cSld>
     <p:spTree>
       <p:nvGrpSpPr>
-        <p:cNvPr id="181" name="Shape 181"/>
+        <p:cNvPr id="184" name="Shape 184"/>
         <p:cNvGrpSpPr/>
         <p:nvPr/>
       </p:nvGrpSpPr>
@@ -1952,7 +2199,7 @@
       </p:grpSpPr>
       <p:sp>
         <p:nvSpPr>
-          <p:cNvPr id="182" name="Google Shape;182;gea45bc9b64_0_26:notes"/>
+          <p:cNvPr id="185" name="Google Shape;185;gea45bc9b64_0_26:notes"/>
           <p:cNvSpPr txBox="1"/>
           <p:nvPr>
             <p:ph idx="1" type="body"/>
@@ -1979,6 +2226,429 @@
           <a:p>
             <a:pPr indent="0" lvl="0" marL="0" rtl="0" algn="l">
               <a:lnSpc>
+                <a:spcPct val="135714"/>
+              </a:lnSpc>
+              <a:spcBef>
+                <a:spcPts val="0"/>
+              </a:spcBef>
+              <a:spcAft>
+                <a:spcPts val="0"/>
+              </a:spcAft>
+              <a:buClr>
+                <a:schemeClr val="dk1"/>
+              </a:buClr>
+              <a:buSzPts val="1100"/>
+              <a:buFont typeface="Arial"/>
+              <a:buNone/>
+            </a:pPr>
+            <a:r>
+              <a:rPr lang="es" sz="1050">
+                <a:solidFill>
+                  <a:srgbClr val="6A9955"/>
+                </a:solidFill>
+                <a:highlight>
+                  <a:srgbClr val="1E1E1E"/>
+                </a:highlight>
+                <a:latin typeface="Courier New"/>
+                <a:ea typeface="Courier New"/>
+                <a:cs typeface="Courier New"/>
+                <a:sym typeface="Courier New"/>
+              </a:rPr>
+              <a:t>// We get the Firestore instance</a:t>
+            </a:r>
+            <a:endParaRPr sz="1050">
+              <a:solidFill>
+                <a:srgbClr val="6A9955"/>
+              </a:solidFill>
+              <a:highlight>
+                <a:srgbClr val="1E1E1E"/>
+              </a:highlight>
+              <a:latin typeface="Courier New"/>
+              <a:ea typeface="Courier New"/>
+              <a:cs typeface="Courier New"/>
+              <a:sym typeface="Courier New"/>
+            </a:endParaRPr>
+          </a:p>
+          <a:p>
+            <a:pPr indent="0" lvl="0" marL="0" rtl="0" algn="l">
+              <a:lnSpc>
+                <a:spcPct val="135714"/>
+              </a:lnSpc>
+              <a:spcBef>
+                <a:spcPts val="0"/>
+              </a:spcBef>
+              <a:spcAft>
+                <a:spcPts val="0"/>
+              </a:spcAft>
+              <a:buClr>
+                <a:schemeClr val="dk1"/>
+              </a:buClr>
+              <a:buSzPts val="1100"/>
+              <a:buFont typeface="Arial"/>
+              <a:buNone/>
+            </a:pPr>
+            <a:r>
+              <a:rPr lang="es" sz="1050">
+                <a:solidFill>
+                  <a:srgbClr val="569CD6"/>
+                </a:solidFill>
+                <a:highlight>
+                  <a:srgbClr val="1E1E1E"/>
+                </a:highlight>
+                <a:latin typeface="Courier New"/>
+                <a:ea typeface="Courier New"/>
+                <a:cs typeface="Courier New"/>
+                <a:sym typeface="Courier New"/>
+              </a:rPr>
+              <a:t>final</a:t>
+            </a:r>
+            <a:r>
+              <a:rPr lang="es" sz="1050">
+                <a:solidFill>
+                  <a:srgbClr val="D4D4D4"/>
+                </a:solidFill>
+                <a:highlight>
+                  <a:srgbClr val="1E1E1E"/>
+                </a:highlight>
+                <a:latin typeface="Courier New"/>
+                <a:ea typeface="Courier New"/>
+                <a:cs typeface="Courier New"/>
+                <a:sym typeface="Courier New"/>
+              </a:rPr>
+              <a:t> _dbReference = </a:t>
+            </a:r>
+            <a:r>
+              <a:rPr lang="es" sz="1050">
+                <a:solidFill>
+                  <a:srgbClr val="4EC9B0"/>
+                </a:solidFill>
+                <a:highlight>
+                  <a:srgbClr val="1E1E1E"/>
+                </a:highlight>
+                <a:latin typeface="Courier New"/>
+                <a:ea typeface="Courier New"/>
+                <a:cs typeface="Courier New"/>
+                <a:sym typeface="Courier New"/>
+              </a:rPr>
+              <a:t>FirebaseDatabase</a:t>
+            </a:r>
+            <a:r>
+              <a:rPr lang="es" sz="1050">
+                <a:solidFill>
+                  <a:srgbClr val="D4D4D4"/>
+                </a:solidFill>
+                <a:highlight>
+                  <a:srgbClr val="1E1E1E"/>
+                </a:highlight>
+                <a:latin typeface="Courier New"/>
+                <a:ea typeface="Courier New"/>
+                <a:cs typeface="Courier New"/>
+                <a:sym typeface="Courier New"/>
+              </a:rPr>
+              <a:t>.instance.</a:t>
+            </a:r>
+            <a:r>
+              <a:rPr lang="es" sz="1050">
+                <a:solidFill>
+                  <a:srgbClr val="DCDCAA"/>
+                </a:solidFill>
+                <a:highlight>
+                  <a:srgbClr val="1E1E1E"/>
+                </a:highlight>
+                <a:latin typeface="Courier New"/>
+                <a:ea typeface="Courier New"/>
+                <a:cs typeface="Courier New"/>
+                <a:sym typeface="Courier New"/>
+              </a:rPr>
+              <a:t>reference</a:t>
+            </a:r>
+            <a:r>
+              <a:rPr lang="es" sz="1050">
+                <a:solidFill>
+                  <a:srgbClr val="D4D4D4"/>
+                </a:solidFill>
+                <a:highlight>
+                  <a:srgbClr val="1E1E1E"/>
+                </a:highlight>
+                <a:latin typeface="Courier New"/>
+                <a:ea typeface="Courier New"/>
+                <a:cs typeface="Courier New"/>
+                <a:sym typeface="Courier New"/>
+              </a:rPr>
+              <a:t>();</a:t>
+            </a:r>
+            <a:endParaRPr sz="1050">
+              <a:solidFill>
+                <a:srgbClr val="D4D4D4"/>
+              </a:solidFill>
+              <a:highlight>
+                <a:srgbClr val="1E1E1E"/>
+              </a:highlight>
+              <a:latin typeface="Courier New"/>
+              <a:ea typeface="Courier New"/>
+              <a:cs typeface="Courier New"/>
+              <a:sym typeface="Courier New"/>
+            </a:endParaRPr>
+          </a:p>
+          <a:p>
+            <a:pPr indent="0" lvl="0" marL="0" rtl="0" algn="l">
+              <a:lnSpc>
+                <a:spcPct val="135714"/>
+              </a:lnSpc>
+              <a:spcBef>
+                <a:spcPts val="0"/>
+              </a:spcBef>
+              <a:spcAft>
+                <a:spcPts val="0"/>
+              </a:spcAft>
+              <a:buClr>
+                <a:schemeClr val="dk1"/>
+              </a:buClr>
+              <a:buSzPts val="1100"/>
+              <a:buFont typeface="Arial"/>
+              <a:buNone/>
+            </a:pPr>
+            <a:r>
+              <a:rPr lang="es" sz="1050">
+                <a:solidFill>
+                  <a:srgbClr val="D4D4D4"/>
+                </a:solidFill>
+                <a:highlight>
+                  <a:srgbClr val="1E1E1E"/>
+                </a:highlight>
+                <a:latin typeface="Courier New"/>
+                <a:ea typeface="Courier New"/>
+                <a:cs typeface="Courier New"/>
+                <a:sym typeface="Courier New"/>
+              </a:rPr>
+              <a:t>_dbReference.</a:t>
+            </a:r>
+            <a:r>
+              <a:rPr lang="es" sz="1050">
+                <a:solidFill>
+                  <a:srgbClr val="DCDCAA"/>
+                </a:solidFill>
+                <a:highlight>
+                  <a:srgbClr val="1E1E1E"/>
+                </a:highlight>
+                <a:latin typeface="Courier New"/>
+                <a:ea typeface="Courier New"/>
+                <a:cs typeface="Courier New"/>
+                <a:sym typeface="Courier New"/>
+              </a:rPr>
+              <a:t>child</a:t>
+            </a:r>
+            <a:r>
+              <a:rPr lang="es" sz="1050">
+                <a:solidFill>
+                  <a:srgbClr val="D4D4D4"/>
+                </a:solidFill>
+                <a:highlight>
+                  <a:srgbClr val="1E1E1E"/>
+                </a:highlight>
+                <a:latin typeface="Courier New"/>
+                <a:ea typeface="Courier New"/>
+                <a:cs typeface="Courier New"/>
+                <a:sym typeface="Courier New"/>
+              </a:rPr>
+              <a:t>(</a:t>
+            </a:r>
+            <a:r>
+              <a:rPr lang="es" sz="1050">
+                <a:solidFill>
+                  <a:srgbClr val="CE9178"/>
+                </a:solidFill>
+                <a:highlight>
+                  <a:srgbClr val="1E1E1E"/>
+                </a:highlight>
+                <a:latin typeface="Courier New"/>
+                <a:ea typeface="Courier New"/>
+                <a:cs typeface="Courier New"/>
+                <a:sym typeface="Courier New"/>
+              </a:rPr>
+              <a:t>'your_db_child'</a:t>
+            </a:r>
+            <a:r>
+              <a:rPr lang="es" sz="1050">
+                <a:solidFill>
+                  <a:srgbClr val="D4D4D4"/>
+                </a:solidFill>
+                <a:highlight>
+                  <a:srgbClr val="1E1E1E"/>
+                </a:highlight>
+                <a:latin typeface="Courier New"/>
+                <a:ea typeface="Courier New"/>
+                <a:cs typeface="Courier New"/>
+                <a:sym typeface="Courier New"/>
+              </a:rPr>
+              <a:t>).</a:t>
+            </a:r>
+            <a:r>
+              <a:rPr lang="es" sz="1050">
+                <a:solidFill>
+                  <a:srgbClr val="DCDCAA"/>
+                </a:solidFill>
+                <a:highlight>
+                  <a:srgbClr val="1E1E1E"/>
+                </a:highlight>
+                <a:latin typeface="Courier New"/>
+                <a:ea typeface="Courier New"/>
+                <a:cs typeface="Courier New"/>
+                <a:sym typeface="Courier New"/>
+              </a:rPr>
+              <a:t>once</a:t>
+            </a:r>
+            <a:r>
+              <a:rPr lang="es" sz="1050">
+                <a:solidFill>
+                  <a:srgbClr val="D4D4D4"/>
+                </a:solidFill>
+                <a:highlight>
+                  <a:srgbClr val="1E1E1E"/>
+                </a:highlight>
+                <a:latin typeface="Courier New"/>
+                <a:ea typeface="Courier New"/>
+                <a:cs typeface="Courier New"/>
+                <a:sym typeface="Courier New"/>
+              </a:rPr>
+              <a:t>().</a:t>
+            </a:r>
+            <a:r>
+              <a:rPr lang="es" sz="1050">
+                <a:solidFill>
+                  <a:srgbClr val="DCDCAA"/>
+                </a:solidFill>
+                <a:highlight>
+                  <a:srgbClr val="1E1E1E"/>
+                </a:highlight>
+                <a:latin typeface="Courier New"/>
+                <a:ea typeface="Courier New"/>
+                <a:cs typeface="Courier New"/>
+                <a:sym typeface="Courier New"/>
+              </a:rPr>
+              <a:t>then</a:t>
+            </a:r>
+            <a:r>
+              <a:rPr lang="es" sz="1050">
+                <a:solidFill>
+                  <a:srgbClr val="D4D4D4"/>
+                </a:solidFill>
+                <a:highlight>
+                  <a:srgbClr val="1E1E1E"/>
+                </a:highlight>
+                <a:latin typeface="Courier New"/>
+                <a:ea typeface="Courier New"/>
+                <a:cs typeface="Courier New"/>
+                <a:sym typeface="Courier New"/>
+              </a:rPr>
+              <a:t>((result) =&gt; </a:t>
+            </a:r>
+            <a:r>
+              <a:rPr lang="es" sz="1050">
+                <a:solidFill>
+                  <a:srgbClr val="DCDCAA"/>
+                </a:solidFill>
+                <a:highlight>
+                  <a:srgbClr val="1E1E1E"/>
+                </a:highlight>
+                <a:latin typeface="Courier New"/>
+                <a:ea typeface="Courier New"/>
+                <a:cs typeface="Courier New"/>
+                <a:sym typeface="Courier New"/>
+              </a:rPr>
+              <a:t>print</a:t>
+            </a:r>
+            <a:r>
+              <a:rPr lang="es" sz="1050">
+                <a:solidFill>
+                  <a:srgbClr val="D4D4D4"/>
+                </a:solidFill>
+                <a:highlight>
+                  <a:srgbClr val="1E1E1E"/>
+                </a:highlight>
+                <a:latin typeface="Courier New"/>
+                <a:ea typeface="Courier New"/>
+                <a:cs typeface="Courier New"/>
+                <a:sym typeface="Courier New"/>
+              </a:rPr>
+              <a:t>(</a:t>
+            </a:r>
+            <a:r>
+              <a:rPr lang="es" sz="1050">
+                <a:solidFill>
+                  <a:srgbClr val="CE9178"/>
+                </a:solidFill>
+                <a:highlight>
+                  <a:srgbClr val="1E1E1E"/>
+                </a:highlight>
+                <a:latin typeface="Courier New"/>
+                <a:ea typeface="Courier New"/>
+                <a:cs typeface="Courier New"/>
+                <a:sym typeface="Courier New"/>
+              </a:rPr>
+              <a:t>'result = $</a:t>
+            </a:r>
+            <a:r>
+              <a:rPr lang="es" sz="1050">
+                <a:solidFill>
+                  <a:srgbClr val="9CDCFE"/>
+                </a:solidFill>
+                <a:highlight>
+                  <a:srgbClr val="1E1E1E"/>
+                </a:highlight>
+                <a:latin typeface="Courier New"/>
+                <a:ea typeface="Courier New"/>
+                <a:cs typeface="Courier New"/>
+                <a:sym typeface="Courier New"/>
+              </a:rPr>
+              <a:t>result</a:t>
+            </a:r>
+            <a:r>
+              <a:rPr lang="es" sz="1050">
+                <a:solidFill>
+                  <a:srgbClr val="CE9178"/>
+                </a:solidFill>
+                <a:highlight>
+                  <a:srgbClr val="1E1E1E"/>
+                </a:highlight>
+                <a:latin typeface="Courier New"/>
+                <a:ea typeface="Courier New"/>
+                <a:cs typeface="Courier New"/>
+                <a:sym typeface="Courier New"/>
+              </a:rPr>
+              <a:t>'</a:t>
+            </a:r>
+            <a:r>
+              <a:rPr lang="es" sz="1050">
+                <a:solidFill>
+                  <a:srgbClr val="D4D4D4"/>
+                </a:solidFill>
+                <a:highlight>
+                  <a:srgbClr val="1E1E1E"/>
+                </a:highlight>
+                <a:latin typeface="Courier New"/>
+                <a:ea typeface="Courier New"/>
+                <a:cs typeface="Courier New"/>
+                <a:sym typeface="Courier New"/>
+              </a:rPr>
+              <a:t>));</a:t>
+            </a:r>
+            <a:endParaRPr sz="1050">
+              <a:solidFill>
+                <a:srgbClr val="D4D4D4"/>
+              </a:solidFill>
+              <a:highlight>
+                <a:srgbClr val="1E1E1E"/>
+              </a:highlight>
+              <a:latin typeface="Courier New"/>
+              <a:ea typeface="Courier New"/>
+              <a:cs typeface="Courier New"/>
+              <a:sym typeface="Courier New"/>
+            </a:endParaRPr>
+          </a:p>
+          <a:p>
+            <a:pPr indent="0" lvl="0" marL="0" rtl="0" algn="l">
+              <a:lnSpc>
                 <a:spcPct val="100000"/>
               </a:lnSpc>
               <a:spcBef>
@@ -1999,7 +2669,7 @@
       </p:sp>
       <p:sp>
         <p:nvSpPr>
-          <p:cNvPr id="183" name="Google Shape;183;gea45bc9b64_0_26:notes"/>
+          <p:cNvPr id="186" name="Google Shape;186;gea45bc9b64_0_26:notes"/>
           <p:cNvSpPr/>
           <p:nvPr>
             <p:ph idx="2" type="sldImg"/>
@@ -2055,7 +2725,7 @@
   <p:cSld>
     <p:spTree>
       <p:nvGrpSpPr>
-        <p:cNvPr id="188" name="Shape 188"/>
+        <p:cNvPr id="191" name="Shape 191"/>
         <p:cNvGrpSpPr/>
         <p:nvPr/>
       </p:nvGrpSpPr>
@@ -2069,7 +2739,7 @@
       </p:grpSpPr>
       <p:sp>
         <p:nvSpPr>
-          <p:cNvPr id="189" name="Google Shape;189;gea45bc9b64_0_33:notes"/>
+          <p:cNvPr id="192" name="Google Shape;192;gea45bc9b64_0_33:notes"/>
           <p:cNvSpPr txBox="1"/>
           <p:nvPr>
             <p:ph idx="1" type="body"/>
@@ -2116,7 +2786,7 @@
       </p:sp>
       <p:sp>
         <p:nvSpPr>
-          <p:cNvPr id="190" name="Google Shape;190;gea45bc9b64_0_33:notes"/>
+          <p:cNvPr id="193" name="Google Shape;193;gea45bc9b64_0_33:notes"/>
           <p:cNvSpPr/>
           <p:nvPr>
             <p:ph idx="2" type="sldImg"/>
@@ -16698,7 +17368,7 @@
     </p:bg>
     <p:spTree>
       <p:nvGrpSpPr>
-        <p:cNvPr id="197" name="Shape 197"/>
+        <p:cNvPr id="200" name="Shape 200"/>
         <p:cNvGrpSpPr/>
         <p:nvPr/>
       </p:nvGrpSpPr>
@@ -16712,7 +17382,7 @@
       </p:grpSpPr>
       <p:sp>
         <p:nvSpPr>
-          <p:cNvPr id="198" name="Google Shape;198;gf246d3ed4e_0_0"/>
+          <p:cNvPr id="201" name="Google Shape;201;gf246d3ed4e_0_0"/>
           <p:cNvSpPr txBox="1"/>
           <p:nvPr/>
         </p:nvSpPr>
@@ -16813,7 +17483,7 @@
   <p:cSld>
     <p:spTree>
       <p:nvGrpSpPr>
-        <p:cNvPr id="202" name="Shape 202"/>
+        <p:cNvPr id="205" name="Shape 205"/>
         <p:cNvGrpSpPr/>
         <p:nvPr/>
       </p:nvGrpSpPr>
@@ -16827,7 +17497,7 @@
       </p:grpSpPr>
       <p:pic>
         <p:nvPicPr>
-          <p:cNvPr id="203" name="Google Shape;203;p36"/>
+          <p:cNvPr id="206" name="Google Shape;206;p36"/>
           <p:cNvPicPr preferRelativeResize="0"/>
           <p:nvPr/>
         </p:nvPicPr>
@@ -18259,16 +18929,59 @@
               <a:buNone/>
             </a:pPr>
             <a:r>
-              <a:rPr lang="es" sz="1400">
-                <a:solidFill>
-                  <a:srgbClr val="3C63AB"/>
-                </a:solidFill>
-                <a:latin typeface="Courier New"/>
-                <a:ea typeface="Courier New"/>
-                <a:cs typeface="Courier New"/>
-                <a:sym typeface="Courier New"/>
-              </a:rPr>
-              <a:t>$ flutter pub add firebase_database</a:t>
+              <a:t/>
+            </a:r>
+            <a:endParaRPr sz="1400">
+              <a:solidFill>
+                <a:srgbClr val="3C63AB"/>
+              </a:solidFill>
+              <a:latin typeface="Courier New"/>
+              <a:ea typeface="Courier New"/>
+              <a:cs typeface="Courier New"/>
+              <a:sym typeface="Courier New"/>
+            </a:endParaRPr>
+          </a:p>
+          <a:p>
+            <a:pPr indent="0" lvl="0" marL="0" rtl="0" algn="ctr">
+              <a:lnSpc>
+                <a:spcPct val="90000"/>
+              </a:lnSpc>
+              <a:spcBef>
+                <a:spcPts val="600"/>
+              </a:spcBef>
+              <a:spcAft>
+                <a:spcPts val="0"/>
+              </a:spcAft>
+              <a:buNone/>
+            </a:pPr>
+            <a:r>
+              <a:t/>
+            </a:r>
+            <a:endParaRPr sz="1400">
+              <a:solidFill>
+                <a:srgbClr val="3C63AB"/>
+              </a:solidFill>
+              <a:latin typeface="Courier New"/>
+              <a:ea typeface="Courier New"/>
+              <a:cs typeface="Courier New"/>
+              <a:sym typeface="Courier New"/>
+            </a:endParaRPr>
+          </a:p>
+          <a:p>
+            <a:pPr indent="0" lvl="0" marL="0" rtl="0" algn="ctr">
+              <a:lnSpc>
+                <a:spcPct val="90000"/>
+              </a:lnSpc>
+              <a:spcBef>
+                <a:spcPts val="600"/>
+              </a:spcBef>
+              <a:spcAft>
+                <a:spcPts val="0"/>
+              </a:spcAft>
+              <a:buNone/>
+            </a:pPr>
+            <a:r>
+              <a:t/>
             </a:r>
             <a:endParaRPr sz="1400">
               <a:solidFill>
@@ -18329,76 +19042,6 @@
           </a:p>
           <a:p>
             <a:pPr indent="0" lvl="0" marL="914400" rtl="0" algn="just">
-              <a:lnSpc>
-                <a:spcPct val="90000"/>
-              </a:lnSpc>
-              <a:spcBef>
-                <a:spcPts val="600"/>
-              </a:spcBef>
-              <a:spcAft>
-                <a:spcPts val="0"/>
-              </a:spcAft>
-              <a:buNone/>
-            </a:pPr>
-            <a:r>
-              <a:rPr lang="es" sz="1400">
-                <a:solidFill>
-                  <a:srgbClr val="3C63AB"/>
-                </a:solidFill>
-                <a:latin typeface="Courier New"/>
-                <a:ea typeface="Courier New"/>
-                <a:cs typeface="Courier New"/>
-                <a:sym typeface="Courier New"/>
-              </a:rPr>
-              <a:t>dependencies:</a:t>
-            </a:r>
-            <a:endParaRPr sz="1400">
-              <a:solidFill>
-                <a:srgbClr val="3C63AB"/>
-              </a:solidFill>
-              <a:latin typeface="Courier New"/>
-              <a:ea typeface="Courier New"/>
-              <a:cs typeface="Courier New"/>
-              <a:sym typeface="Courier New"/>
-            </a:endParaRPr>
-          </a:p>
-          <a:p>
-            <a:pPr indent="0" lvl="0" marL="914400" rtl="0" algn="just">
-              <a:lnSpc>
-                <a:spcPct val="90000"/>
-              </a:lnSpc>
-              <a:spcBef>
-                <a:spcPts val="600"/>
-              </a:spcBef>
-              <a:spcAft>
-                <a:spcPts val="0"/>
-              </a:spcAft>
-              <a:buNone/>
-            </a:pPr>
-            <a:r>
-              <a:rPr lang="es" sz="1400">
-                <a:solidFill>
-                  <a:srgbClr val="3C63AB"/>
-                </a:solidFill>
-                <a:latin typeface="Courier New"/>
-                <a:ea typeface="Courier New"/>
-                <a:cs typeface="Courier New"/>
-                <a:sym typeface="Courier New"/>
-              </a:rPr>
-              <a:t>  firebase_database: ^8.0.0</a:t>
-            </a:r>
-            <a:endParaRPr sz="1400">
-              <a:solidFill>
-                <a:srgbClr val="3C63AB"/>
-              </a:solidFill>
-              <a:latin typeface="Courier New"/>
-              <a:ea typeface="Courier New"/>
-              <a:cs typeface="Courier New"/>
-              <a:sym typeface="Courier New"/>
-            </a:endParaRPr>
-          </a:p>
-          <a:p>
-            <a:pPr indent="0" lvl="0" marL="0" rtl="0" algn="just">
               <a:lnSpc>
                 <a:spcPct val="90000"/>
               </a:lnSpc>
@@ -18434,6 +19077,32 @@
               <a:spcAft>
                 <a:spcPts val="0"/>
               </a:spcAft>
+              <a:buNone/>
+            </a:pPr>
+            <a:r>
+              <a:t/>
+            </a:r>
+            <a:endParaRPr sz="1400">
+              <a:solidFill>
+                <a:srgbClr val="3C63AB"/>
+              </a:solidFill>
+              <a:latin typeface="Courier New"/>
+              <a:ea typeface="Courier New"/>
+              <a:cs typeface="Courier New"/>
+              <a:sym typeface="Courier New"/>
+            </a:endParaRPr>
+          </a:p>
+          <a:p>
+            <a:pPr indent="0" lvl="0" marL="0" rtl="0" algn="just">
+              <a:lnSpc>
+                <a:spcPct val="90000"/>
+              </a:lnSpc>
+              <a:spcBef>
+                <a:spcPts val="600"/>
+              </a:spcBef>
+              <a:spcAft>
+                <a:spcPts val="0"/>
+              </a:spcAft>
               <a:buSzPts val="1300"/>
               <a:buNone/>
             </a:pPr>
@@ -18607,6 +19276,62 @@
           </a:p>
         </p:txBody>
       </p:sp>
+      <p:pic>
+        <p:nvPicPr>
+          <p:cNvPr id="175" name="Google Shape;175;gea45bc9b64_0_9"/>
+          <p:cNvPicPr preferRelativeResize="0"/>
+          <p:nvPr/>
+        </p:nvPicPr>
+        <p:blipFill>
+          <a:blip r:embed="rId4">
+            <a:alphaModFix/>
+          </a:blip>
+          <a:stretch>
+            <a:fillRect/>
+          </a:stretch>
+        </p:blipFill>
+        <p:spPr>
+          <a:xfrm>
+            <a:off x="2863413" y="2037925"/>
+            <a:ext cx="3417176" cy="618000"/>
+          </a:xfrm>
+          <a:prstGeom prst="rect">
+            <a:avLst/>
+          </a:prstGeom>
+          <a:noFill/>
+          <a:ln>
+            <a:noFill/>
+          </a:ln>
+        </p:spPr>
+      </p:pic>
+      <p:pic>
+        <p:nvPicPr>
+          <p:cNvPr id="176" name="Google Shape;176;gea45bc9b64_0_9"/>
+          <p:cNvPicPr preferRelativeResize="0"/>
+          <p:nvPr/>
+        </p:nvPicPr>
+        <p:blipFill>
+          <a:blip r:embed="rId5">
+            <a:alphaModFix/>
+          </a:blip>
+          <a:stretch>
+            <a:fillRect/>
+          </a:stretch>
+        </p:blipFill>
+        <p:spPr>
+          <a:xfrm>
+            <a:off x="2971615" y="3394925"/>
+            <a:ext cx="3200774" cy="920225"/>
+          </a:xfrm>
+          <a:prstGeom prst="rect">
+            <a:avLst/>
+          </a:prstGeom>
+          <a:noFill/>
+          <a:ln>
+            <a:noFill/>
+          </a:ln>
+        </p:spPr>
+      </p:pic>
     </p:spTree>
   </p:cSld>
   <p:clrMapOvr>
@@ -18621,7 +19346,7 @@
     <p:bg>
       <p:bgPr>
         <a:blipFill>
-          <a:blip r:embed="rId4">
+          <a:blip r:embed="rId3">
             <a:alphaModFix/>
           </a:blip>
           <a:stretch>
@@ -18632,7 +19357,7 @@
     </p:bg>
     <p:spTree>
       <p:nvGrpSpPr>
-        <p:cNvPr id="178" name="Shape 178"/>
+        <p:cNvPr id="180" name="Shape 180"/>
         <p:cNvGrpSpPr/>
         <p:nvPr/>
       </p:nvGrpSpPr>
@@ -18646,7 +19371,7 @@
       </p:grpSpPr>
       <p:sp>
         <p:nvSpPr>
-          <p:cNvPr id="179" name="Google Shape;179;gefe61a51f9_0_5"/>
+          <p:cNvPr id="181" name="Google Shape;181;gefe61a51f9_0_5"/>
           <p:cNvSpPr txBox="1"/>
           <p:nvPr>
             <p:ph type="title"/>
@@ -18706,7 +19431,7 @@
       </p:sp>
       <p:sp>
         <p:nvSpPr>
-          <p:cNvPr id="180" name="Google Shape;180;gefe61a51f9_0_5"/>
+          <p:cNvPr id="182" name="Google Shape;182;gefe61a51f9_0_5"/>
           <p:cNvSpPr txBox="1"/>
           <p:nvPr>
             <p:ph idx="4294967295" type="body"/>
@@ -19289,21 +20014,7 @@
               <a:buNone/>
             </a:pPr>
             <a:r>
-              <a:rPr lang="es" sz="1400">
-                <a:solidFill>
-                  <a:srgbClr val="3C63AB"/>
-                </a:solidFill>
-                <a:latin typeface="Courier New"/>
-                <a:ea typeface="Courier New"/>
-                <a:cs typeface="Courier New"/>
-                <a:sym typeface="Courier New"/>
-                <a:extLst>
-                  <a:ext uri="http://customooxmlschemas.google.com/">
-                    <go:slidesCustomData xmlns:go="http://customooxmlschemas.google.com/" textRoundtripDataId="0"/>
-                  </a:ext>
-                </a:extLst>
-              </a:rPr>
-              <a:t>_dbReference.child(documentPath)</a:t>
+              <a:t/>
             </a:r>
             <a:endParaRPr sz="1400">
               <a:solidFill>
@@ -19472,6 +20183,34 @@
           </a:p>
         </p:txBody>
       </p:sp>
+      <p:pic>
+        <p:nvPicPr>
+          <p:cNvPr id="183" name="Google Shape;183;gefe61a51f9_0_5"/>
+          <p:cNvPicPr preferRelativeResize="0"/>
+          <p:nvPr/>
+        </p:nvPicPr>
+        <p:blipFill>
+          <a:blip r:embed="rId4">
+            <a:alphaModFix/>
+          </a:blip>
+          <a:stretch>
+            <a:fillRect/>
+          </a:stretch>
+        </p:blipFill>
+        <p:spPr>
+          <a:xfrm>
+            <a:off x="2962275" y="4334425"/>
+            <a:ext cx="3219450" cy="647700"/>
+          </a:xfrm>
+          <a:prstGeom prst="rect">
+            <a:avLst/>
+          </a:prstGeom>
+          <a:noFill/>
+          <a:ln>
+            <a:noFill/>
+          </a:ln>
+        </p:spPr>
+      </p:pic>
     </p:spTree>
   </p:cSld>
   <p:clrMapOvr>
@@ -19486,7 +20225,7 @@
     <p:bg>
       <p:bgPr>
         <a:blipFill>
-          <a:blip r:embed="rId4">
+          <a:blip r:embed="rId3">
             <a:alphaModFix/>
           </a:blip>
           <a:stretch>
@@ -19497,7 +20236,7 @@
     </p:bg>
     <p:spTree>
       <p:nvGrpSpPr>
-        <p:cNvPr id="184" name="Shape 184"/>
+        <p:cNvPr id="187" name="Shape 187"/>
         <p:cNvGrpSpPr/>
         <p:nvPr/>
       </p:nvGrpSpPr>
@@ -19511,7 +20250,7 @@
       </p:grpSpPr>
       <p:sp>
         <p:nvSpPr>
-          <p:cNvPr id="185" name="Google Shape;185;gea45bc9b64_0_26"/>
+          <p:cNvPr id="188" name="Google Shape;188;gea45bc9b64_0_26"/>
           <p:cNvSpPr txBox="1"/>
           <p:nvPr>
             <p:ph type="title"/>
@@ -19571,7 +20310,7 @@
       </p:sp>
       <p:sp>
         <p:nvSpPr>
-          <p:cNvPr id="186" name="Google Shape;186;gea45bc9b64_0_26"/>
+          <p:cNvPr id="189" name="Google Shape;189;gea45bc9b64_0_26"/>
           <p:cNvSpPr txBox="1"/>
           <p:nvPr>
             <p:ph idx="4294967295" type="body"/>
@@ -19783,12 +20522,12 @@
       </p:sp>
       <p:pic>
         <p:nvPicPr>
-          <p:cNvPr id="187" name="Google Shape;187;gea45bc9b64_0_26"/>
+          <p:cNvPr id="190" name="Google Shape;190;gea45bc9b64_0_26"/>
           <p:cNvPicPr preferRelativeResize="0"/>
           <p:nvPr/>
         </p:nvPicPr>
         <p:blipFill>
-          <a:blip r:embed="rId5">
+          <a:blip r:embed="rId4">
             <a:alphaModFix/>
           </a:blip>
           <a:stretch>
@@ -19797,8 +20536,8 @@
         </p:blipFill>
         <p:spPr>
           <a:xfrm>
-            <a:off x="870550" y="2135425"/>
-            <a:ext cx="7093025" cy="1483600"/>
+            <a:off x="1802788" y="2283251"/>
+            <a:ext cx="5538425" cy="1377275"/>
           </a:xfrm>
           <a:prstGeom prst="rect">
             <a:avLst/>
@@ -19834,7 +20573,7 @@
     </p:bg>
     <p:spTree>
       <p:nvGrpSpPr>
-        <p:cNvPr id="191" name="Shape 191"/>
+        <p:cNvPr id="194" name="Shape 194"/>
         <p:cNvGrpSpPr/>
         <p:nvPr/>
       </p:nvGrpSpPr>
@@ -19848,7 +20587,7 @@
       </p:grpSpPr>
       <p:sp>
         <p:nvSpPr>
-          <p:cNvPr id="192" name="Google Shape;192;gea45bc9b64_0_33"/>
+          <p:cNvPr id="195" name="Google Shape;195;gea45bc9b64_0_33"/>
           <p:cNvSpPr txBox="1"/>
           <p:nvPr>
             <p:ph type="title"/>
@@ -19924,7 +20663,7 @@
       </p:sp>
       <p:sp>
         <p:nvSpPr>
-          <p:cNvPr id="193" name="Google Shape;193;gea45bc9b64_0_33"/>
+          <p:cNvPr id="196" name="Google Shape;196;gea45bc9b64_0_33"/>
           <p:cNvSpPr txBox="1"/>
           <p:nvPr>
             <p:ph idx="4294967295" type="body"/>
@@ -20180,6 +20919,285 @@
 </file>
 
 <file path=ppt/theme/theme1.xml><?xml version="1.0" encoding="utf-8"?>
+<a:theme xmlns:a="http://schemas.openxmlformats.org/drawingml/2006/main" xmlns:r="http://schemas.openxmlformats.org/officeDocument/2006/relationships" name="Shift">
+  <a:themeElements>
+    <a:clrScheme name="Shift">
+      <a:dk1>
+        <a:srgbClr val="FFFFFF"/>
+      </a:dk1>
+      <a:lt1>
+        <a:srgbClr val="AF7B51"/>
+      </a:lt1>
+      <a:dk2>
+        <a:srgbClr val="233A44"/>
+      </a:dk2>
+      <a:lt2>
+        <a:srgbClr val="D9D9D9"/>
+      </a:lt2>
+      <a:accent1>
+        <a:srgbClr val="00796B"/>
+      </a:accent1>
+      <a:accent2>
+        <a:srgbClr val="D9563F"/>
+      </a:accent2>
+      <a:accent3>
+        <a:srgbClr val="C4A15A"/>
+      </a:accent3>
+      <a:accent4>
+        <a:srgbClr val="14F597"/>
+      </a:accent4>
+      <a:accent5>
+        <a:srgbClr val="3D4594"/>
+      </a:accent5>
+      <a:accent6>
+        <a:srgbClr val="163EF5"/>
+      </a:accent6>
+      <a:hlink>
+        <a:srgbClr val="3D4594"/>
+      </a:hlink>
+      <a:folHlink>
+        <a:srgbClr val="3D4594"/>
+      </a:folHlink>
+    </a:clrScheme>
+    <a:fontScheme name="Office">
+      <a:majorFont>
+        <a:latin typeface="Arial"/>
+        <a:ea typeface=""/>
+        <a:cs typeface=""/>
+        <a:font script="Jpan" typeface="ＭＳ Ｐゴシック"/>
+        <a:font script="Hang" typeface="맑은 고딕"/>
+        <a:font script="Hans" typeface="宋体"/>
+        <a:font script="Hant" typeface="新細明體"/>
+        <a:font script="Arab" typeface="Times New Roman"/>
+        <a:font script="Hebr" typeface="Times New Roman"/>
+        <a:font script="Thai" typeface="Angsana New"/>
+        <a:font script="Ethi" typeface="Nyala"/>
+        <a:font script="Beng" typeface="Vrinda"/>
+        <a:font script="Gujr" typeface="Shruti"/>
+        <a:font script="Khmr" typeface="MoolBoran"/>
+        <a:font script="Knda" typeface="Tunga"/>
+        <a:font script="Guru" typeface="Raavi"/>
+        <a:font script="Cans" typeface="Euphemia"/>
+        <a:font script="Cher" typeface="Plantagenet Cherokee"/>
+        <a:font script="Yiii" typeface="Microsoft Yi Baiti"/>
+        <a:font script="Tibt" typeface="Microsoft Himalaya"/>
+        <a:font script="Thaa" typeface="MV Boli"/>
+        <a:font script="Deva" typeface="Mangal"/>
+        <a:font script="Telu" typeface="Gautami"/>
+        <a:font script="Taml" typeface="Latha"/>
+        <a:font script="Syrc" typeface="Estrangelo Edessa"/>
+        <a:font script="Orya" typeface="Kalinga"/>
+        <a:font script="Mlym" typeface="Kartika"/>
+        <a:font script="Laoo" typeface="DokChampa"/>
+        <a:font script="Sinh" typeface="Iskoola Pota"/>
+        <a:font script="Mong" typeface="Mongolian Baiti"/>
+        <a:font script="Viet" typeface="Times New Roman"/>
+        <a:font script="Uigh" typeface="Microsoft Uighur"/>
+        <a:font script="Geor" typeface="Sylfaen"/>
+      </a:majorFont>
+      <a:minorFont>
+        <a:latin typeface="Arial"/>
+        <a:ea typeface=""/>
+        <a:cs typeface=""/>
+        <a:font script="Jpan" typeface="ＭＳ Ｐゴシック"/>
+        <a:font script="Hang" typeface="맑은 고딕"/>
+        <a:font script="Hans" typeface="宋体"/>
+        <a:font script="Hant" typeface="新細明體"/>
+        <a:font script="Arab" typeface="Arial"/>
+        <a:font script="Hebr" typeface="Arial"/>
+        <a:font script="Thai" typeface="Cordia New"/>
+        <a:font script="Ethi" typeface="Nyala"/>
+        <a:font script="Beng" typeface="Vrinda"/>
+        <a:font script="Gujr" typeface="Shruti"/>
+        <a:font script="Khmr" typeface="DaunPenh"/>
+        <a:font script="Knda" typeface="Tunga"/>
+        <a:font script="Guru" typeface="Raavi"/>
+        <a:font script="Cans" typeface="Euphemia"/>
+        <a:font script="Cher" typeface="Plantagenet Cherokee"/>
+        <a:font script="Yiii" typeface="Microsoft Yi Baiti"/>
+        <a:font script="Tibt" typeface="Microsoft Himalaya"/>
+        <a:font script="Thaa" typeface="MV Boli"/>
+        <a:font script="Deva" typeface="Mangal"/>
+        <a:font script="Telu" typeface="Gautami"/>
+        <a:font script="Taml" typeface="Latha"/>
+        <a:font script="Syrc" typeface="Estrangelo Edessa"/>
+        <a:font script="Orya" typeface="Kalinga"/>
+        <a:font script="Mlym" typeface="Kartika"/>
+        <a:font script="Laoo" typeface="DokChampa"/>
+        <a:font script="Sinh" typeface="Iskoola Pota"/>
+        <a:font script="Mong" typeface="Mongolian Baiti"/>
+        <a:font script="Viet" typeface="Arial"/>
+        <a:font script="Uigh" typeface="Microsoft Uighur"/>
+        <a:font script="Geor" typeface="Sylfaen"/>
+      </a:minorFont>
+    </a:fontScheme>
+    <a:fmtScheme name="Office">
+      <a:fillStyleLst>
+        <a:solidFill>
+          <a:schemeClr val="phClr"/>
+        </a:solidFill>
+        <a:gradFill rotWithShape="1">
+          <a:gsLst>
+            <a:gs pos="0">
+              <a:schemeClr val="phClr">
+                <a:tint val="50000"/>
+                <a:satMod val="300000"/>
+              </a:schemeClr>
+            </a:gs>
+            <a:gs pos="35000">
+              <a:schemeClr val="phClr">
+                <a:tint val="37000"/>
+                <a:satMod val="300000"/>
+              </a:schemeClr>
+            </a:gs>
+            <a:gs pos="100000">
+              <a:schemeClr val="phClr">
+                <a:tint val="15000"/>
+                <a:satMod val="350000"/>
+              </a:schemeClr>
+            </a:gs>
+          </a:gsLst>
+          <a:lin ang="16200000" scaled="1"/>
+        </a:gradFill>
+        <a:gradFill rotWithShape="1">
+          <a:gsLst>
+            <a:gs pos="0">
+              <a:schemeClr val="phClr">
+                <a:tint val="100000"/>
+                <a:shade val="100000"/>
+                <a:satMod val="130000"/>
+              </a:schemeClr>
+            </a:gs>
+            <a:gs pos="100000">
+              <a:schemeClr val="phClr">
+                <a:tint val="50000"/>
+                <a:shade val="100000"/>
+                <a:satMod val="350000"/>
+              </a:schemeClr>
+            </a:gs>
+          </a:gsLst>
+          <a:lin ang="16200000" scaled="0"/>
+        </a:gradFill>
+      </a:fillStyleLst>
+      <a:lnStyleLst>
+        <a:ln w="9525" cap="flat" cmpd="sng" algn="ctr">
+          <a:solidFill>
+            <a:schemeClr val="phClr">
+              <a:shade val="95000"/>
+              <a:satMod val="105000"/>
+            </a:schemeClr>
+          </a:solidFill>
+          <a:prstDash val="solid"/>
+        </a:ln>
+        <a:ln w="25400" cap="flat" cmpd="sng" algn="ctr">
+          <a:solidFill>
+            <a:schemeClr val="phClr"/>
+          </a:solidFill>
+          <a:prstDash val="solid"/>
+        </a:ln>
+        <a:ln w="38100" cap="flat" cmpd="sng" algn="ctr">
+          <a:solidFill>
+            <a:schemeClr val="phClr"/>
+          </a:solidFill>
+          <a:prstDash val="solid"/>
+        </a:ln>
+      </a:lnStyleLst>
+      <a:effectStyleLst>
+        <a:effectStyle>
+          <a:effectLst>
+            <a:outerShdw blurRad="40000" dist="20000" dir="5400000" rotWithShape="0">
+              <a:srgbClr val="000000">
+                <a:alpha val="38000"/>
+              </a:srgbClr>
+            </a:outerShdw>
+          </a:effectLst>
+        </a:effectStyle>
+        <a:effectStyle>
+          <a:effectLst>
+            <a:outerShdw blurRad="40000" dist="23000" dir="5400000" rotWithShape="0">
+              <a:srgbClr val="000000">
+                <a:alpha val="35000"/>
+              </a:srgbClr>
+            </a:outerShdw>
+          </a:effectLst>
+        </a:effectStyle>
+        <a:effectStyle>
+          <a:effectLst>
+            <a:outerShdw blurRad="40000" dist="23000" dir="5400000" rotWithShape="0">
+              <a:srgbClr val="000000">
+                <a:alpha val="35000"/>
+              </a:srgbClr>
+            </a:outerShdw>
+          </a:effectLst>
+          <a:scene3d>
+            <a:camera prst="orthographicFront">
+              <a:rot lat="0" lon="0" rev="0"/>
+            </a:camera>
+            <a:lightRig rig="threePt" dir="t">
+              <a:rot lat="0" lon="0" rev="1200000"/>
+            </a:lightRig>
+          </a:scene3d>
+          <a:sp3d>
+            <a:bevelT w="63500" h="25400"/>
+          </a:sp3d>
+        </a:effectStyle>
+      </a:effectStyleLst>
+      <a:bgFillStyleLst>
+        <a:solidFill>
+          <a:schemeClr val="phClr"/>
+        </a:solidFill>
+        <a:gradFill rotWithShape="1">
+          <a:gsLst>
+            <a:gs pos="0">
+              <a:schemeClr val="phClr">
+                <a:tint val="40000"/>
+                <a:satMod val="350000"/>
+              </a:schemeClr>
+            </a:gs>
+            <a:gs pos="40000">
+              <a:schemeClr val="phClr">
+                <a:tint val="45000"/>
+                <a:shade val="99000"/>
+                <a:satMod val="350000"/>
+              </a:schemeClr>
+            </a:gs>
+            <a:gs pos="100000">
+              <a:schemeClr val="phClr">
+                <a:shade val="20000"/>
+                <a:satMod val="255000"/>
+              </a:schemeClr>
+            </a:gs>
+          </a:gsLst>
+          <a:path path="circle">
+            <a:fillToRect l="50000" t="-80000" r="50000" b="180000"/>
+          </a:path>
+        </a:gradFill>
+        <a:gradFill rotWithShape="1">
+          <a:gsLst>
+            <a:gs pos="0">
+              <a:schemeClr val="phClr">
+                <a:tint val="80000"/>
+                <a:satMod val="300000"/>
+              </a:schemeClr>
+            </a:gs>
+            <a:gs pos="100000">
+              <a:schemeClr val="phClr">
+                <a:shade val="30000"/>
+                <a:satMod val="200000"/>
+              </a:schemeClr>
+            </a:gs>
+          </a:gsLst>
+          <a:path path="circle">
+            <a:fillToRect l="50000" t="50000" r="50000" b="50000"/>
+          </a:path>
+        </a:gradFill>
+      </a:bgFillStyleLst>
+    </a:fmtScheme>
+  </a:themeElements>
+</a:theme>
+</file>
+
+<file path=ppt/theme/theme2.xml><?xml version="1.0" encoding="utf-8"?>
 <a:theme xmlns:a="http://schemas.openxmlformats.org/drawingml/2006/main" xmlns:r="http://schemas.openxmlformats.org/officeDocument/2006/relationships">
   <a:themeElements>
     <a:clrScheme name="Default">
@@ -20456,283 +21474,4 @@
     </a:fmtScheme>
   </a:themeElements>
 </a:theme>
-</file>
-
-<file path=ppt/theme/theme2.xml><?xml version="1.0" encoding="utf-8"?>
-<a:theme xmlns:a="http://schemas.openxmlformats.org/drawingml/2006/main" xmlns:r="http://schemas.openxmlformats.org/officeDocument/2006/relationships" name="Shift">
-  <a:themeElements>
-    <a:clrScheme name="Shift">
-      <a:dk1>
-        <a:srgbClr val="FFFFFF"/>
-      </a:dk1>
-      <a:lt1>
-        <a:srgbClr val="AF7B51"/>
-      </a:lt1>
-      <a:dk2>
-        <a:srgbClr val="233A44"/>
-      </a:dk2>
-      <a:lt2>
-        <a:srgbClr val="D9D9D9"/>
-      </a:lt2>
-      <a:accent1>
-        <a:srgbClr val="00796B"/>
-      </a:accent1>
-      <a:accent2>
-        <a:srgbClr val="D9563F"/>
-      </a:accent2>
-      <a:accent3>
-        <a:srgbClr val="C4A15A"/>
-      </a:accent3>
-      <a:accent4>
-        <a:srgbClr val="14F597"/>
-      </a:accent4>
-      <a:accent5>
-        <a:srgbClr val="3D4594"/>
-      </a:accent5>
-      <a:accent6>
-        <a:srgbClr val="163EF5"/>
-      </a:accent6>
-      <a:hlink>
-        <a:srgbClr val="3D4594"/>
-      </a:hlink>
-      <a:folHlink>
-        <a:srgbClr val="3D4594"/>
-      </a:folHlink>
-    </a:clrScheme>
-    <a:fontScheme name="Office">
-      <a:majorFont>
-        <a:latin typeface="Arial"/>
-        <a:ea typeface=""/>
-        <a:cs typeface=""/>
-        <a:font script="Jpan" typeface="ＭＳ Ｐゴシック"/>
-        <a:font script="Hang" typeface="맑은 고딕"/>
-        <a:font script="Hans" typeface="宋体"/>
-        <a:font script="Hant" typeface="新細明體"/>
-        <a:font script="Arab" typeface="Times New Roman"/>
-        <a:font script="Hebr" typeface="Times New Roman"/>
-        <a:font script="Thai" typeface="Angsana New"/>
-        <a:font script="Ethi" typeface="Nyala"/>
-        <a:font script="Beng" typeface="Vrinda"/>
-        <a:font script="Gujr" typeface="Shruti"/>
-        <a:font script="Khmr" typeface="MoolBoran"/>
-        <a:font script="Knda" typeface="Tunga"/>
-        <a:font script="Guru" typeface="Raavi"/>
-        <a:font script="Cans" typeface="Euphemia"/>
-        <a:font script="Cher" typeface="Plantagenet Cherokee"/>
-        <a:font script="Yiii" typeface="Microsoft Yi Baiti"/>
-        <a:font script="Tibt" typeface="Microsoft Himalaya"/>
-        <a:font script="Thaa" typeface="MV Boli"/>
-        <a:font script="Deva" typeface="Mangal"/>
-        <a:font script="Telu" typeface="Gautami"/>
-        <a:font script="Taml" typeface="Latha"/>
-        <a:font script="Syrc" typeface="Estrangelo Edessa"/>
-        <a:font script="Orya" typeface="Kalinga"/>
-        <a:font script="Mlym" typeface="Kartika"/>
-        <a:font script="Laoo" typeface="DokChampa"/>
-        <a:font script="Sinh" typeface="Iskoola Pota"/>
-        <a:font script="Mong" typeface="Mongolian Baiti"/>
-        <a:font script="Viet" typeface="Times New Roman"/>
-        <a:font script="Uigh" typeface="Microsoft Uighur"/>
-        <a:font script="Geor" typeface="Sylfaen"/>
-      </a:majorFont>
-      <a:minorFont>
-        <a:latin typeface="Arial"/>
-        <a:ea typeface=""/>
-        <a:cs typeface=""/>
-        <a:font script="Jpan" typeface="ＭＳ Ｐゴシック"/>
-        <a:font script="Hang" typeface="맑은 고딕"/>
-        <a:font script="Hans" typeface="宋体"/>
-        <a:font script="Hant" typeface="新細明體"/>
-        <a:font script="Arab" typeface="Arial"/>
-        <a:font script="Hebr" typeface="Arial"/>
-        <a:font script="Thai" typeface="Cordia New"/>
-        <a:font script="Ethi" typeface="Nyala"/>
-        <a:font script="Beng" typeface="Vrinda"/>
-        <a:font script="Gujr" typeface="Shruti"/>
-        <a:font script="Khmr" typeface="DaunPenh"/>
-        <a:font script="Knda" typeface="Tunga"/>
-        <a:font script="Guru" typeface="Raavi"/>
-        <a:font script="Cans" typeface="Euphemia"/>
-        <a:font script="Cher" typeface="Plantagenet Cherokee"/>
-        <a:font script="Yiii" typeface="Microsoft Yi Baiti"/>
-        <a:font script="Tibt" typeface="Microsoft Himalaya"/>
-        <a:font script="Thaa" typeface="MV Boli"/>
-        <a:font script="Deva" typeface="Mangal"/>
-        <a:font script="Telu" typeface="Gautami"/>
-        <a:font script="Taml" typeface="Latha"/>
-        <a:font script="Syrc" typeface="Estrangelo Edessa"/>
-        <a:font script="Orya" typeface="Kalinga"/>
-        <a:font script="Mlym" typeface="Kartika"/>
-        <a:font script="Laoo" typeface="DokChampa"/>
-        <a:font script="Sinh" typeface="Iskoola Pota"/>
-        <a:font script="Mong" typeface="Mongolian Baiti"/>
-        <a:font script="Viet" typeface="Arial"/>
-        <a:font script="Uigh" typeface="Microsoft Uighur"/>
-        <a:font script="Geor" typeface="Sylfaen"/>
-      </a:minorFont>
-    </a:fontScheme>
-    <a:fmtScheme name="Office">
-      <a:fillStyleLst>
-        <a:solidFill>
-          <a:schemeClr val="phClr"/>
-        </a:solidFill>
-        <a:gradFill rotWithShape="1">
-          <a:gsLst>
-            <a:gs pos="0">
-              <a:schemeClr val="phClr">
-                <a:tint val="50000"/>
-                <a:satMod val="300000"/>
-              </a:schemeClr>
-            </a:gs>
-            <a:gs pos="35000">
-              <a:schemeClr val="phClr">
-                <a:tint val="37000"/>
-                <a:satMod val="300000"/>
-              </a:schemeClr>
-            </a:gs>
-            <a:gs pos="100000">
-              <a:schemeClr val="phClr">
-                <a:tint val="15000"/>
-                <a:satMod val="350000"/>
-              </a:schemeClr>
-            </a:gs>
-          </a:gsLst>
-          <a:lin ang="16200000" scaled="1"/>
-        </a:gradFill>
-        <a:gradFill rotWithShape="1">
-          <a:gsLst>
-            <a:gs pos="0">
-              <a:schemeClr val="phClr">
-                <a:tint val="100000"/>
-                <a:shade val="100000"/>
-                <a:satMod val="130000"/>
-              </a:schemeClr>
-            </a:gs>
-            <a:gs pos="100000">
-              <a:schemeClr val="phClr">
-                <a:tint val="50000"/>
-                <a:shade val="100000"/>
-                <a:satMod val="350000"/>
-              </a:schemeClr>
-            </a:gs>
-          </a:gsLst>
-          <a:lin ang="16200000" scaled="0"/>
-        </a:gradFill>
-      </a:fillStyleLst>
-      <a:lnStyleLst>
-        <a:ln w="9525" cap="flat" cmpd="sng" algn="ctr">
-          <a:solidFill>
-            <a:schemeClr val="phClr">
-              <a:shade val="95000"/>
-              <a:satMod val="105000"/>
-            </a:schemeClr>
-          </a:solidFill>
-          <a:prstDash val="solid"/>
-        </a:ln>
-        <a:ln w="25400" cap="flat" cmpd="sng" algn="ctr">
-          <a:solidFill>
-            <a:schemeClr val="phClr"/>
-          </a:solidFill>
-          <a:prstDash val="solid"/>
-        </a:ln>
-        <a:ln w="38100" cap="flat" cmpd="sng" algn="ctr">
-          <a:solidFill>
-            <a:schemeClr val="phClr"/>
-          </a:solidFill>
-          <a:prstDash val="solid"/>
-        </a:ln>
-      </a:lnStyleLst>
-      <a:effectStyleLst>
-        <a:effectStyle>
-          <a:effectLst>
-            <a:outerShdw blurRad="40000" dist="20000" dir="5400000" rotWithShape="0">
-              <a:srgbClr val="000000">
-                <a:alpha val="38000"/>
-              </a:srgbClr>
-            </a:outerShdw>
-          </a:effectLst>
-        </a:effectStyle>
-        <a:effectStyle>
-          <a:effectLst>
-            <a:outerShdw blurRad="40000" dist="23000" dir="5400000" rotWithShape="0">
-              <a:srgbClr val="000000">
-                <a:alpha val="35000"/>
-              </a:srgbClr>
-            </a:outerShdw>
-          </a:effectLst>
-        </a:effectStyle>
-        <a:effectStyle>
-          <a:effectLst>
-            <a:outerShdw blurRad="40000" dist="23000" dir="5400000" rotWithShape="0">
-              <a:srgbClr val="000000">
-                <a:alpha val="35000"/>
-              </a:srgbClr>
-            </a:outerShdw>
-          </a:effectLst>
-          <a:scene3d>
-            <a:camera prst="orthographicFront">
-              <a:rot lat="0" lon="0" rev="0"/>
-            </a:camera>
-            <a:lightRig rig="threePt" dir="t">
-              <a:rot lat="0" lon="0" rev="1200000"/>
-            </a:lightRig>
-          </a:scene3d>
-          <a:sp3d>
-            <a:bevelT w="63500" h="25400"/>
-          </a:sp3d>
-        </a:effectStyle>
-      </a:effectStyleLst>
-      <a:bgFillStyleLst>
-        <a:solidFill>
-          <a:schemeClr val="phClr"/>
-        </a:solidFill>
-        <a:gradFill rotWithShape="1">
-          <a:gsLst>
-            <a:gs pos="0">
-              <a:schemeClr val="phClr">
-                <a:tint val="40000"/>
-                <a:satMod val="350000"/>
-              </a:schemeClr>
-            </a:gs>
-            <a:gs pos="40000">
-              <a:schemeClr val="phClr">
-                <a:tint val="45000"/>
-                <a:shade val="99000"/>
-                <a:satMod val="350000"/>
-              </a:schemeClr>
-            </a:gs>
-            <a:gs pos="100000">
-              <a:schemeClr val="phClr">
-                <a:shade val="20000"/>
-                <a:satMod val="255000"/>
-              </a:schemeClr>
-            </a:gs>
-          </a:gsLst>
-          <a:path path="circle">
-            <a:fillToRect l="50000" t="-80000" r="50000" b="180000"/>
-          </a:path>
-        </a:gradFill>
-        <a:gradFill rotWithShape="1">
-          <a:gsLst>
-            <a:gs pos="0">
-              <a:schemeClr val="phClr">
-                <a:tint val="80000"/>
-                <a:satMod val="300000"/>
-              </a:schemeClr>
-            </a:gs>
-            <a:gs pos="100000">
-              <a:schemeClr val="phClr">
-                <a:shade val="30000"/>
-                <a:satMod val="200000"/>
-              </a:schemeClr>
-            </a:gs>
-          </a:gsLst>
-          <a:path path="circle">
-            <a:fillToRect l="50000" t="50000" r="50000" b="50000"/>
-          </a:path>
-        </a:gradFill>
-      </a:bgFillStyleLst>
-    </a:fmtScheme>
-  </a:themeElements>
-</a:theme>
 </file>
--- a/Componentes-teoricos/Slide móvil sesión 11 semana 4 .pptx
+++ b/Componentes-teoricos/Slide móvil sesión 11 semana 4 .pptx
@@ -1717,11 +1717,8 @@
             <a:r>
               <a:rPr lang="es" sz="1050">
                 <a:solidFill>
-                  <a:srgbClr val="D4D4D4"/>
-                </a:solidFill>
-                <a:highlight>
-                  <a:srgbClr val="1E1E1E"/>
-                </a:highlight>
+                  <a:schemeClr val="dk1"/>
+                </a:solidFill>
                 <a:latin typeface="Courier New"/>
                 <a:ea typeface="Courier New"/>
                 <a:cs typeface="Courier New"/>
@@ -1731,11 +1728,8 @@
             </a:r>
             <a:endParaRPr sz="1050">
               <a:solidFill>
-                <a:srgbClr val="D4D4D4"/>
+                <a:schemeClr val="dk1"/>
               </a:solidFill>
-              <a:highlight>
-                <a:srgbClr val="1E1E1E"/>
-              </a:highlight>
               <a:latin typeface="Courier New"/>
               <a:ea typeface="Courier New"/>
               <a:cs typeface="Courier New"/>
@@ -1765,11 +1759,8 @@
             </a:r>
             <a:endParaRPr sz="1050">
               <a:solidFill>
-                <a:srgbClr val="D4D4D4"/>
+                <a:schemeClr val="dk1"/>
               </a:solidFill>
-              <a:highlight>
-                <a:srgbClr val="1E1E1E"/>
-              </a:highlight>
               <a:latin typeface="Courier New"/>
               <a:ea typeface="Courier New"/>
               <a:cs typeface="Courier New"/>
@@ -1797,11 +1788,8 @@
             <a:r>
               <a:rPr lang="es" sz="1050">
                 <a:solidFill>
-                  <a:srgbClr val="D4D4D4"/>
-                </a:solidFill>
-                <a:highlight>
-                  <a:srgbClr val="1E1E1E"/>
-                </a:highlight>
+                  <a:schemeClr val="dk1"/>
+                </a:solidFill>
                 <a:latin typeface="Courier New"/>
                 <a:ea typeface="Courier New"/>
                 <a:cs typeface="Courier New"/>
@@ -1811,11 +1799,8 @@
             </a:r>
             <a:endParaRPr sz="1050">
               <a:solidFill>
-                <a:srgbClr val="D4D4D4"/>
+                <a:schemeClr val="dk1"/>
               </a:solidFill>
-              <a:highlight>
-                <a:srgbClr val="1E1E1E"/>
-              </a:highlight>
               <a:latin typeface="Courier New"/>
               <a:ea typeface="Courier New"/>
               <a:cs typeface="Courier New"/>
@@ -1843,70 +1828,19 @@
             <a:r>
               <a:rPr lang="es" sz="1050">
                 <a:solidFill>
-                  <a:srgbClr val="D4D4D4"/>
-                </a:solidFill>
-                <a:highlight>
-                  <a:srgbClr val="1E1E1E"/>
-                </a:highlight>
+                  <a:schemeClr val="dk1"/>
+                </a:solidFill>
                 <a:latin typeface="Courier New"/>
                 <a:ea typeface="Courier New"/>
                 <a:cs typeface="Courier New"/>
                 <a:sym typeface="Courier New"/>
               </a:rPr>
-              <a:t> firebase_datase: ^</a:t>
-            </a:r>
-            <a:r>
-              <a:rPr lang="es" sz="1050">
-                <a:solidFill>
-                  <a:srgbClr val="B5CEA8"/>
-                </a:solidFill>
-                <a:highlight>
-                  <a:srgbClr val="1E1E1E"/>
-                </a:highlight>
-                <a:latin typeface="Courier New"/>
-                <a:ea typeface="Courier New"/>
-                <a:cs typeface="Courier New"/>
-                <a:sym typeface="Courier New"/>
-              </a:rPr>
-              <a:t>8.0</a:t>
-            </a:r>
-            <a:r>
-              <a:rPr lang="es" sz="1050">
-                <a:solidFill>
-                  <a:srgbClr val="D4D4D4"/>
-                </a:solidFill>
-                <a:highlight>
-                  <a:srgbClr val="1E1E1E"/>
-                </a:highlight>
-                <a:latin typeface="Courier New"/>
-                <a:ea typeface="Courier New"/>
-                <a:cs typeface="Courier New"/>
-                <a:sym typeface="Courier New"/>
-              </a:rPr>
-              <a:t>.</a:t>
-            </a:r>
-            <a:r>
-              <a:rPr lang="es" sz="1050">
-                <a:solidFill>
-                  <a:srgbClr val="B5CEA8"/>
-                </a:solidFill>
-                <a:highlight>
-                  <a:srgbClr val="1E1E1E"/>
-                </a:highlight>
-                <a:latin typeface="Courier New"/>
-                <a:ea typeface="Courier New"/>
-                <a:cs typeface="Courier New"/>
-                <a:sym typeface="Courier New"/>
-              </a:rPr>
-              <a:t>0</a:t>
+              <a:t> firebase_datase: ^8.0.0</a:t>
             </a:r>
             <a:endParaRPr sz="1050">
               <a:solidFill>
-                <a:srgbClr val="B5CEA8"/>
+                <a:schemeClr val="dk1"/>
               </a:solidFill>
-              <a:highlight>
-                <a:srgbClr val="1E1E1E"/>
-              </a:highlight>
               <a:latin typeface="Courier New"/>
               <a:ea typeface="Courier New"/>
               <a:cs typeface="Courier New"/>
@@ -2051,55 +1985,19 @@
             <a:r>
               <a:rPr lang="es" sz="1050">
                 <a:solidFill>
-                  <a:srgbClr val="D4D4D4"/>
-                </a:solidFill>
-                <a:highlight>
-                  <a:srgbClr val="1E1E1E"/>
-                </a:highlight>
+                  <a:schemeClr val="dk1"/>
+                </a:solidFill>
                 <a:latin typeface="Courier New"/>
                 <a:ea typeface="Courier New"/>
                 <a:cs typeface="Courier New"/>
                 <a:sym typeface="Courier New"/>
               </a:rPr>
-              <a:t>_dbReference.</a:t>
-            </a:r>
-            <a:r>
-              <a:rPr lang="es" sz="1050">
-                <a:solidFill>
-                  <a:srgbClr val="DCDCAA"/>
-                </a:solidFill>
-                <a:highlight>
-                  <a:srgbClr val="1E1E1E"/>
-                </a:highlight>
-                <a:latin typeface="Courier New"/>
-                <a:ea typeface="Courier New"/>
-                <a:cs typeface="Courier New"/>
-                <a:sym typeface="Courier New"/>
-              </a:rPr>
-              <a:t>child</a:t>
-            </a:r>
-            <a:r>
-              <a:rPr lang="es" sz="1050">
-                <a:solidFill>
-                  <a:srgbClr val="D4D4D4"/>
-                </a:solidFill>
-                <a:highlight>
-                  <a:srgbClr val="1E1E1E"/>
-                </a:highlight>
-                <a:latin typeface="Courier New"/>
-                <a:ea typeface="Courier New"/>
-                <a:cs typeface="Courier New"/>
-                <a:sym typeface="Courier New"/>
-              </a:rPr>
-              <a:t>(documentPath)</a:t>
+              <a:t>_dbReference.child(documentPath)</a:t>
             </a:r>
             <a:endParaRPr sz="1050">
               <a:solidFill>
-                <a:srgbClr val="D4D4D4"/>
+                <a:schemeClr val="dk1"/>
               </a:solidFill>
-              <a:highlight>
-                <a:srgbClr val="1E1E1E"/>
-              </a:highlight>
               <a:latin typeface="Courier New"/>
               <a:ea typeface="Courier New"/>
               <a:cs typeface="Courier New"/>
@@ -2244,11 +2142,8 @@
             <a:r>
               <a:rPr lang="es" sz="1050">
                 <a:solidFill>
-                  <a:srgbClr val="6A9955"/>
-                </a:solidFill>
-                <a:highlight>
-                  <a:srgbClr val="1E1E1E"/>
-                </a:highlight>
+                  <a:schemeClr val="dk1"/>
+                </a:solidFill>
                 <a:latin typeface="Courier New"/>
                 <a:ea typeface="Courier New"/>
                 <a:cs typeface="Courier New"/>
@@ -2258,11 +2153,8 @@
             </a:r>
             <a:endParaRPr sz="1050">
               <a:solidFill>
-                <a:srgbClr val="6A9955"/>
+                <a:schemeClr val="dk1"/>
               </a:solidFill>
-              <a:highlight>
-                <a:srgbClr val="1E1E1E"/>
-              </a:highlight>
               <a:latin typeface="Courier New"/>
               <a:ea typeface="Courier New"/>
               <a:cs typeface="Courier New"/>
@@ -2290,100 +2182,19 @@
             <a:r>
               <a:rPr lang="es" sz="1050">
                 <a:solidFill>
-                  <a:srgbClr val="569CD6"/>
-                </a:solidFill>
-                <a:highlight>
-                  <a:srgbClr val="1E1E1E"/>
-                </a:highlight>
+                  <a:schemeClr val="dk1"/>
+                </a:solidFill>
                 <a:latin typeface="Courier New"/>
                 <a:ea typeface="Courier New"/>
                 <a:cs typeface="Courier New"/>
                 <a:sym typeface="Courier New"/>
               </a:rPr>
-              <a:t>final</a:t>
-            </a:r>
-            <a:r>
-              <a:rPr lang="es" sz="1050">
-                <a:solidFill>
-                  <a:srgbClr val="D4D4D4"/>
-                </a:solidFill>
-                <a:highlight>
-                  <a:srgbClr val="1E1E1E"/>
-                </a:highlight>
-                <a:latin typeface="Courier New"/>
-                <a:ea typeface="Courier New"/>
-                <a:cs typeface="Courier New"/>
-                <a:sym typeface="Courier New"/>
-              </a:rPr>
-              <a:t> _dbReference = </a:t>
-            </a:r>
-            <a:r>
-              <a:rPr lang="es" sz="1050">
-                <a:solidFill>
-                  <a:srgbClr val="4EC9B0"/>
-                </a:solidFill>
-                <a:highlight>
-                  <a:srgbClr val="1E1E1E"/>
-                </a:highlight>
-                <a:latin typeface="Courier New"/>
-                <a:ea typeface="Courier New"/>
-                <a:cs typeface="Courier New"/>
-                <a:sym typeface="Courier New"/>
-              </a:rPr>
-              <a:t>FirebaseDatabase</a:t>
-            </a:r>
-            <a:r>
-              <a:rPr lang="es" sz="1050">
-                <a:solidFill>
-                  <a:srgbClr val="D4D4D4"/>
-                </a:solidFill>
-                <a:highlight>
-                  <a:srgbClr val="1E1E1E"/>
-                </a:highlight>
-                <a:latin typeface="Courier New"/>
-                <a:ea typeface="Courier New"/>
-                <a:cs typeface="Courier New"/>
-                <a:sym typeface="Courier New"/>
-              </a:rPr>
-              <a:t>.instance.</a:t>
-            </a:r>
-            <a:r>
-              <a:rPr lang="es" sz="1050">
-                <a:solidFill>
-                  <a:srgbClr val="DCDCAA"/>
-                </a:solidFill>
-                <a:highlight>
-                  <a:srgbClr val="1E1E1E"/>
-                </a:highlight>
-                <a:latin typeface="Courier New"/>
-                <a:ea typeface="Courier New"/>
-                <a:cs typeface="Courier New"/>
-                <a:sym typeface="Courier New"/>
-              </a:rPr>
-              <a:t>reference</a:t>
-            </a:r>
-            <a:r>
-              <a:rPr lang="es" sz="1050">
-                <a:solidFill>
-                  <a:srgbClr val="D4D4D4"/>
-                </a:solidFill>
-                <a:highlight>
-                  <a:srgbClr val="1E1E1E"/>
-                </a:highlight>
-                <a:latin typeface="Courier New"/>
-                <a:ea typeface="Courier New"/>
-                <a:cs typeface="Courier New"/>
-                <a:sym typeface="Courier New"/>
-              </a:rPr>
-              <a:t>();</a:t>
+              <a:t>final _dbReference = FirebaseDatabase.instance.reference();</a:t>
             </a:r>
             <a:endParaRPr sz="1050">
               <a:solidFill>
-                <a:srgbClr val="D4D4D4"/>
+                <a:schemeClr val="dk1"/>
               </a:solidFill>
-              <a:highlight>
-                <a:srgbClr val="1E1E1E"/>
-              </a:highlight>
               <a:latin typeface="Courier New"/>
               <a:ea typeface="Courier New"/>
               <a:cs typeface="Courier New"/>
@@ -2411,235 +2222,19 @@
             <a:r>
               <a:rPr lang="es" sz="1050">
                 <a:solidFill>
-                  <a:srgbClr val="D4D4D4"/>
-                </a:solidFill>
-                <a:highlight>
-                  <a:srgbClr val="1E1E1E"/>
-                </a:highlight>
+                  <a:schemeClr val="dk1"/>
+                </a:solidFill>
                 <a:latin typeface="Courier New"/>
                 <a:ea typeface="Courier New"/>
                 <a:cs typeface="Courier New"/>
                 <a:sym typeface="Courier New"/>
               </a:rPr>
-              <a:t>_dbReference.</a:t>
-            </a:r>
-            <a:r>
-              <a:rPr lang="es" sz="1050">
-                <a:solidFill>
-                  <a:srgbClr val="DCDCAA"/>
-                </a:solidFill>
-                <a:highlight>
-                  <a:srgbClr val="1E1E1E"/>
-                </a:highlight>
-                <a:latin typeface="Courier New"/>
-                <a:ea typeface="Courier New"/>
-                <a:cs typeface="Courier New"/>
-                <a:sym typeface="Courier New"/>
-              </a:rPr>
-              <a:t>child</a:t>
-            </a:r>
-            <a:r>
-              <a:rPr lang="es" sz="1050">
-                <a:solidFill>
-                  <a:srgbClr val="D4D4D4"/>
-                </a:solidFill>
-                <a:highlight>
-                  <a:srgbClr val="1E1E1E"/>
-                </a:highlight>
-                <a:latin typeface="Courier New"/>
-                <a:ea typeface="Courier New"/>
-                <a:cs typeface="Courier New"/>
-                <a:sym typeface="Courier New"/>
-              </a:rPr>
-              <a:t>(</a:t>
-            </a:r>
-            <a:r>
-              <a:rPr lang="es" sz="1050">
-                <a:solidFill>
-                  <a:srgbClr val="CE9178"/>
-                </a:solidFill>
-                <a:highlight>
-                  <a:srgbClr val="1E1E1E"/>
-                </a:highlight>
-                <a:latin typeface="Courier New"/>
-                <a:ea typeface="Courier New"/>
-                <a:cs typeface="Courier New"/>
-                <a:sym typeface="Courier New"/>
-              </a:rPr>
-              <a:t>'your_db_child'</a:t>
-            </a:r>
-            <a:r>
-              <a:rPr lang="es" sz="1050">
-                <a:solidFill>
-                  <a:srgbClr val="D4D4D4"/>
-                </a:solidFill>
-                <a:highlight>
-                  <a:srgbClr val="1E1E1E"/>
-                </a:highlight>
-                <a:latin typeface="Courier New"/>
-                <a:ea typeface="Courier New"/>
-                <a:cs typeface="Courier New"/>
-                <a:sym typeface="Courier New"/>
-              </a:rPr>
-              <a:t>).</a:t>
-            </a:r>
-            <a:r>
-              <a:rPr lang="es" sz="1050">
-                <a:solidFill>
-                  <a:srgbClr val="DCDCAA"/>
-                </a:solidFill>
-                <a:highlight>
-                  <a:srgbClr val="1E1E1E"/>
-                </a:highlight>
-                <a:latin typeface="Courier New"/>
-                <a:ea typeface="Courier New"/>
-                <a:cs typeface="Courier New"/>
-                <a:sym typeface="Courier New"/>
-              </a:rPr>
-              <a:t>once</a:t>
-            </a:r>
-            <a:r>
-              <a:rPr lang="es" sz="1050">
-                <a:solidFill>
-                  <a:srgbClr val="D4D4D4"/>
-                </a:solidFill>
-                <a:highlight>
-                  <a:srgbClr val="1E1E1E"/>
-                </a:highlight>
-                <a:latin typeface="Courier New"/>
-                <a:ea typeface="Courier New"/>
-                <a:cs typeface="Courier New"/>
-                <a:sym typeface="Courier New"/>
-              </a:rPr>
-              <a:t>().</a:t>
-            </a:r>
-            <a:r>
-              <a:rPr lang="es" sz="1050">
-                <a:solidFill>
-                  <a:srgbClr val="DCDCAA"/>
-                </a:solidFill>
-                <a:highlight>
-                  <a:srgbClr val="1E1E1E"/>
-                </a:highlight>
-                <a:latin typeface="Courier New"/>
-                <a:ea typeface="Courier New"/>
-                <a:cs typeface="Courier New"/>
-                <a:sym typeface="Courier New"/>
-              </a:rPr>
-              <a:t>then</a:t>
-            </a:r>
-            <a:r>
-              <a:rPr lang="es" sz="1050">
-                <a:solidFill>
-                  <a:srgbClr val="D4D4D4"/>
-                </a:solidFill>
-                <a:highlight>
-                  <a:srgbClr val="1E1E1E"/>
-                </a:highlight>
-                <a:latin typeface="Courier New"/>
-                <a:ea typeface="Courier New"/>
-                <a:cs typeface="Courier New"/>
-                <a:sym typeface="Courier New"/>
-              </a:rPr>
-              <a:t>((result) =&gt; </a:t>
-            </a:r>
-            <a:r>
-              <a:rPr lang="es" sz="1050">
-                <a:solidFill>
-                  <a:srgbClr val="DCDCAA"/>
-                </a:solidFill>
-                <a:highlight>
-                  <a:srgbClr val="1E1E1E"/>
-                </a:highlight>
-                <a:latin typeface="Courier New"/>
-                <a:ea typeface="Courier New"/>
-                <a:cs typeface="Courier New"/>
-                <a:sym typeface="Courier New"/>
-              </a:rPr>
-              <a:t>print</a:t>
-            </a:r>
-            <a:r>
-              <a:rPr lang="es" sz="1050">
-                <a:solidFill>
-                  <a:srgbClr val="D4D4D4"/>
-                </a:solidFill>
-                <a:highlight>
-                  <a:srgbClr val="1E1E1E"/>
-                </a:highlight>
-                <a:latin typeface="Courier New"/>
-                <a:ea typeface="Courier New"/>
-                <a:cs typeface="Courier New"/>
-                <a:sym typeface="Courier New"/>
-              </a:rPr>
-              <a:t>(</a:t>
-            </a:r>
-            <a:r>
-              <a:rPr lang="es" sz="1050">
-                <a:solidFill>
-                  <a:srgbClr val="CE9178"/>
-                </a:solidFill>
-                <a:highlight>
-                  <a:srgbClr val="1E1E1E"/>
-                </a:highlight>
-                <a:latin typeface="Courier New"/>
-                <a:ea typeface="Courier New"/>
-                <a:cs typeface="Courier New"/>
-                <a:sym typeface="Courier New"/>
-              </a:rPr>
-              <a:t>'result = $</a:t>
-            </a:r>
-            <a:r>
-              <a:rPr lang="es" sz="1050">
-                <a:solidFill>
-                  <a:srgbClr val="9CDCFE"/>
-                </a:solidFill>
-                <a:highlight>
-                  <a:srgbClr val="1E1E1E"/>
-                </a:highlight>
-                <a:latin typeface="Courier New"/>
-                <a:ea typeface="Courier New"/>
-                <a:cs typeface="Courier New"/>
-                <a:sym typeface="Courier New"/>
-              </a:rPr>
-              <a:t>result</a:t>
-            </a:r>
-            <a:r>
-              <a:rPr lang="es" sz="1050">
-                <a:solidFill>
-                  <a:srgbClr val="CE9178"/>
-                </a:solidFill>
-                <a:highlight>
-                  <a:srgbClr val="1E1E1E"/>
-                </a:highlight>
-                <a:latin typeface="Courier New"/>
-                <a:ea typeface="Courier New"/>
-                <a:cs typeface="Courier New"/>
-                <a:sym typeface="Courier New"/>
-              </a:rPr>
-              <a:t>'</a:t>
-            </a:r>
-            <a:r>
-              <a:rPr lang="es" sz="1050">
-                <a:solidFill>
-                  <a:srgbClr val="D4D4D4"/>
-                </a:solidFill>
-                <a:highlight>
-                  <a:srgbClr val="1E1E1E"/>
-                </a:highlight>
-                <a:latin typeface="Courier New"/>
-                <a:ea typeface="Courier New"/>
-                <a:cs typeface="Courier New"/>
-                <a:sym typeface="Courier New"/>
-              </a:rPr>
-              <a:t>));</a:t>
+              <a:t>_dbReference.child('your_db_child').once().then((result) =&gt; print('result = $result'));</a:t>
             </a:r>
             <a:endParaRPr sz="1050">
               <a:solidFill>
-                <a:srgbClr val="D4D4D4"/>
+                <a:schemeClr val="dk1"/>
               </a:solidFill>
-              <a:highlight>
-                <a:srgbClr val="1E1E1E"/>
-              </a:highlight>
               <a:latin typeface="Courier New"/>
               <a:ea typeface="Courier New"/>
               <a:cs typeface="Courier New"/>
@@ -20919,6 +20514,285 @@
 </file>
 
 <file path=ppt/theme/theme1.xml><?xml version="1.0" encoding="utf-8"?>
+<a:theme xmlns:a="http://schemas.openxmlformats.org/drawingml/2006/main" xmlns:r="http://schemas.openxmlformats.org/officeDocument/2006/relationships">
+  <a:themeElements>
+    <a:clrScheme name="Default">
+      <a:dk1>
+        <a:srgbClr val="000000"/>
+      </a:dk1>
+      <a:lt1>
+        <a:srgbClr val="FFFFFF"/>
+      </a:lt1>
+      <a:dk2>
+        <a:srgbClr val="158158"/>
+      </a:dk2>
+      <a:lt2>
+        <a:srgbClr val="F3F3F3"/>
+      </a:lt2>
+      <a:accent1>
+        <a:srgbClr val="058DC7"/>
+      </a:accent1>
+      <a:accent2>
+        <a:srgbClr val="50B432"/>
+      </a:accent2>
+      <a:accent3>
+        <a:srgbClr val="ED561B"/>
+      </a:accent3>
+      <a:accent4>
+        <a:srgbClr val="EDEF00"/>
+      </a:accent4>
+      <a:accent5>
+        <a:srgbClr val="24CBE5"/>
+      </a:accent5>
+      <a:accent6>
+        <a:srgbClr val="64E572"/>
+      </a:accent6>
+      <a:hlink>
+        <a:srgbClr val="2200CC"/>
+      </a:hlink>
+      <a:folHlink>
+        <a:srgbClr val="551A8B"/>
+      </a:folHlink>
+    </a:clrScheme>
+    <a:fontScheme name="Office">
+      <a:majorFont>
+        <a:latin typeface="Arial"/>
+        <a:ea typeface=""/>
+        <a:cs typeface=""/>
+        <a:font script="Jpan" typeface="ＭＳ Ｐゴシック"/>
+        <a:font script="Hang" typeface="맑은 고딕"/>
+        <a:font script="Hans" typeface="宋体"/>
+        <a:font script="Hant" typeface="新細明體"/>
+        <a:font script="Arab" typeface="Times New Roman"/>
+        <a:font script="Hebr" typeface="Times New Roman"/>
+        <a:font script="Thai" typeface="Angsana New"/>
+        <a:font script="Ethi" typeface="Nyala"/>
+        <a:font script="Beng" typeface="Vrinda"/>
+        <a:font script="Gujr" typeface="Shruti"/>
+        <a:font script="Khmr" typeface="MoolBoran"/>
+        <a:font script="Knda" typeface="Tunga"/>
+        <a:font script="Guru" typeface="Raavi"/>
+        <a:font script="Cans" typeface="Euphemia"/>
+        <a:font script="Cher" typeface="Plantagenet Cherokee"/>
+        <a:font script="Yiii" typeface="Microsoft Yi Baiti"/>
+        <a:font script="Tibt" typeface="Microsoft Himalaya"/>
+        <a:font script="Thaa" typeface="MV Boli"/>
+        <a:font script="Deva" typeface="Mangal"/>
+        <a:font script="Telu" typeface="Gautami"/>
+        <a:font script="Taml" typeface="Latha"/>
+        <a:font script="Syrc" typeface="Estrangelo Edessa"/>
+        <a:font script="Orya" typeface="Kalinga"/>
+        <a:font script="Mlym" typeface="Kartika"/>
+        <a:font script="Laoo" typeface="DokChampa"/>
+        <a:font script="Sinh" typeface="Iskoola Pota"/>
+        <a:font script="Mong" typeface="Mongolian Baiti"/>
+        <a:font script="Viet" typeface="Times New Roman"/>
+        <a:font script="Uigh" typeface="Microsoft Uighur"/>
+        <a:font script="Geor" typeface="Sylfaen"/>
+      </a:majorFont>
+      <a:minorFont>
+        <a:latin typeface="Arial"/>
+        <a:ea typeface=""/>
+        <a:cs typeface=""/>
+        <a:font script="Jpan" typeface="ＭＳ Ｐゴシック"/>
+        <a:font script="Hang" typeface="맑은 고딕"/>
+        <a:font script="Hans" typeface="宋体"/>
+        <a:font script="Hant" typeface="新細明體"/>
+        <a:font script="Arab" typeface="Arial"/>
+        <a:font script="Hebr" typeface="Arial"/>
+        <a:font script="Thai" typeface="Cordia New"/>
+        <a:font script="Ethi" typeface="Nyala"/>
+        <a:font script="Beng" typeface="Vrinda"/>
+        <a:font script="Gujr" typeface="Shruti"/>
+        <a:font script="Khmr" typeface="DaunPenh"/>
+        <a:font script="Knda" typeface="Tunga"/>
+        <a:font script="Guru" typeface="Raavi"/>
+        <a:font script="Cans" typeface="Euphemia"/>
+        <a:font script="Cher" typeface="Plantagenet Cherokee"/>
+        <a:font script="Yiii" typeface="Microsoft Yi Baiti"/>
+        <a:font script="Tibt" typeface="Microsoft Himalaya"/>
+        <a:font script="Thaa" typeface="MV Boli"/>
+        <a:font script="Deva" typeface="Mangal"/>
+        <a:font script="Telu" typeface="Gautami"/>
+        <a:font script="Taml" typeface="Latha"/>
+        <a:font script="Syrc" typeface="Estrangelo Edessa"/>
+        <a:font script="Orya" typeface="Kalinga"/>
+        <a:font script="Mlym" typeface="Kartika"/>
+        <a:font script="Laoo" typeface="DokChampa"/>
+        <a:font script="Sinh" typeface="Iskoola Pota"/>
+        <a:font script="Mong" typeface="Mongolian Baiti"/>
+        <a:font script="Viet" typeface="Arial"/>
+        <a:font script="Uigh" typeface="Microsoft Uighur"/>
+        <a:font script="Geor" typeface="Sylfaen"/>
+      </a:minorFont>
+    </a:fontScheme>
+    <a:fmtScheme name="Office">
+      <a:fillStyleLst>
+        <a:solidFill>
+          <a:schemeClr val="phClr"/>
+        </a:solidFill>
+        <a:gradFill rotWithShape="1">
+          <a:gsLst>
+            <a:gs pos="0">
+              <a:schemeClr val="phClr">
+                <a:tint val="50000"/>
+                <a:satMod val="300000"/>
+              </a:schemeClr>
+            </a:gs>
+            <a:gs pos="35000">
+              <a:schemeClr val="phClr">
+                <a:tint val="37000"/>
+                <a:satMod val="300000"/>
+              </a:schemeClr>
+            </a:gs>
+            <a:gs pos="100000">
+              <a:schemeClr val="phClr">
+                <a:tint val="15000"/>
+                <a:satMod val="350000"/>
+              </a:schemeClr>
+            </a:gs>
+          </a:gsLst>
+          <a:lin ang="16200000" scaled="1"/>
+        </a:gradFill>
+        <a:gradFill rotWithShape="1">
+          <a:gsLst>
+            <a:gs pos="0">
+              <a:schemeClr val="phClr">
+                <a:tint val="100000"/>
+                <a:shade val="100000"/>
+                <a:satMod val="130000"/>
+              </a:schemeClr>
+            </a:gs>
+            <a:gs pos="100000">
+              <a:schemeClr val="phClr">
+                <a:tint val="50000"/>
+                <a:shade val="100000"/>
+                <a:satMod val="350000"/>
+              </a:schemeClr>
+            </a:gs>
+          </a:gsLst>
+          <a:lin ang="16200000" scaled="0"/>
+        </a:gradFill>
+      </a:fillStyleLst>
+      <a:lnStyleLst>
+        <a:ln w="9525" cap="flat" cmpd="sng" algn="ctr">
+          <a:solidFill>
+            <a:schemeClr val="phClr">
+              <a:shade val="95000"/>
+              <a:satMod val="105000"/>
+            </a:schemeClr>
+          </a:solidFill>
+          <a:prstDash val="solid"/>
+        </a:ln>
+        <a:ln w="25400" cap="flat" cmpd="sng" algn="ctr">
+          <a:solidFill>
+            <a:schemeClr val="phClr"/>
+          </a:solidFill>
+          <a:prstDash val="solid"/>
+        </a:ln>
+        <a:ln w="38100" cap="flat" cmpd="sng" algn="ctr">
+          <a:solidFill>
+            <a:schemeClr val="phClr"/>
+          </a:solidFill>
+          <a:prstDash val="solid"/>
+        </a:ln>
+      </a:lnStyleLst>
+      <a:effectStyleLst>
+        <a:effectStyle>
+          <a:effectLst>
+            <a:outerShdw blurRad="40000" dist="20000" dir="5400000" rotWithShape="0">
+              <a:srgbClr val="000000">
+                <a:alpha val="38000"/>
+              </a:srgbClr>
+            </a:outerShdw>
+          </a:effectLst>
+        </a:effectStyle>
+        <a:effectStyle>
+          <a:effectLst>
+            <a:outerShdw blurRad="40000" dist="23000" dir="5400000" rotWithShape="0">
+              <a:srgbClr val="000000">
+                <a:alpha val="35000"/>
+              </a:srgbClr>
+            </a:outerShdw>
+          </a:effectLst>
+        </a:effectStyle>
+        <a:effectStyle>
+          <a:effectLst>
+            <a:outerShdw blurRad="40000" dist="23000" dir="5400000" rotWithShape="0">
+              <a:srgbClr val="000000">
+                <a:alpha val="35000"/>
+              </a:srgbClr>
+            </a:outerShdw>
+          </a:effectLst>
+          <a:scene3d>
+            <a:camera prst="orthographicFront">
+              <a:rot lat="0" lon="0" rev="0"/>
+            </a:camera>
+            <a:lightRig rig="threePt" dir="t">
+              <a:rot lat="0" lon="0" rev="1200000"/>
+            </a:lightRig>
+          </a:scene3d>
+          <a:sp3d>
+            <a:bevelT w="63500" h="25400"/>
+          </a:sp3d>
+        </a:effectStyle>
+      </a:effectStyleLst>
+      <a:bgFillStyleLst>
+        <a:solidFill>
+          <a:schemeClr val="phClr"/>
+        </a:solidFill>
+        <a:gradFill rotWithShape="1">
+          <a:gsLst>
+            <a:gs pos="0">
+              <a:schemeClr val="phClr">
+                <a:tint val="40000"/>
+                <a:satMod val="350000"/>
+              </a:schemeClr>
+            </a:gs>
+            <a:gs pos="40000">
+              <a:schemeClr val="phClr">
+                <a:tint val="45000"/>
+                <a:shade val="99000"/>
+                <a:satMod val="350000"/>
+              </a:schemeClr>
+            </a:gs>
+            <a:gs pos="100000">
+              <a:schemeClr val="phClr">
+                <a:shade val="20000"/>
+                <a:satMod val="255000"/>
+              </a:schemeClr>
+            </a:gs>
+          </a:gsLst>
+          <a:path path="circle">
+            <a:fillToRect l="50000" t="-80000" r="50000" b="180000"/>
+          </a:path>
+        </a:gradFill>
+        <a:gradFill rotWithShape="1">
+          <a:gsLst>
+            <a:gs pos="0">
+              <a:schemeClr val="phClr">
+                <a:tint val="80000"/>
+                <a:satMod val="300000"/>
+              </a:schemeClr>
+            </a:gs>
+            <a:gs pos="100000">
+              <a:schemeClr val="phClr">
+                <a:shade val="30000"/>
+                <a:satMod val="200000"/>
+              </a:schemeClr>
+            </a:gs>
+          </a:gsLst>
+          <a:path path="circle">
+            <a:fillToRect l="50000" t="50000" r="50000" b="50000"/>
+          </a:path>
+        </a:gradFill>
+      </a:bgFillStyleLst>
+    </a:fmtScheme>
+  </a:themeElements>
+</a:theme>
+</file>
+
+<file path=ppt/theme/theme2.xml><?xml version="1.0" encoding="utf-8"?>
 <a:theme xmlns:a="http://schemas.openxmlformats.org/drawingml/2006/main" xmlns:r="http://schemas.openxmlformats.org/officeDocument/2006/relationships" name="Shift">
   <a:themeElements>
     <a:clrScheme name="Shift">
@@ -21195,283 +21069,4 @@
     </a:fmtScheme>
   </a:themeElements>
 </a:theme>
-</file>
-
-<file path=ppt/theme/theme2.xml><?xml version="1.0" encoding="utf-8"?>
-<a:theme xmlns:a="http://schemas.openxmlformats.org/drawingml/2006/main" xmlns:r="http://schemas.openxmlformats.org/officeDocument/2006/relationships">
-  <a:themeElements>
-    <a:clrScheme name="Default">
-      <a:dk1>
-        <a:srgbClr val="000000"/>
-      </a:dk1>
-      <a:lt1>
-        <a:srgbClr val="FFFFFF"/>
-      </a:lt1>
-      <a:dk2>
-        <a:srgbClr val="158158"/>
-      </a:dk2>
-      <a:lt2>
-        <a:srgbClr val="F3F3F3"/>
-      </a:lt2>
-      <a:accent1>
-        <a:srgbClr val="058DC7"/>
-      </a:accent1>
-      <a:accent2>
-        <a:srgbClr val="50B432"/>
-      </a:accent2>
-      <a:accent3>
-        <a:srgbClr val="ED561B"/>
-      </a:accent3>
-      <a:accent4>
-        <a:srgbClr val="EDEF00"/>
-      </a:accent4>
-      <a:accent5>
-        <a:srgbClr val="24CBE5"/>
-      </a:accent5>
-      <a:accent6>
-        <a:srgbClr val="64E572"/>
-      </a:accent6>
-      <a:hlink>
-        <a:srgbClr val="2200CC"/>
-      </a:hlink>
-      <a:folHlink>
-        <a:srgbClr val="551A8B"/>
-      </a:folHlink>
-    </a:clrScheme>
-    <a:fontScheme name="Office">
-      <a:majorFont>
-        <a:latin typeface="Arial"/>
-        <a:ea typeface=""/>
-        <a:cs typeface=""/>
-        <a:font script="Jpan" typeface="ＭＳ Ｐゴシック"/>
-        <a:font script="Hang" typeface="맑은 고딕"/>
-        <a:font script="Hans" typeface="宋体"/>
-        <a:font script="Hant" typeface="新細明體"/>
-        <a:font script="Arab" typeface="Times New Roman"/>
-        <a:font script="Hebr" typeface="Times New Roman"/>
-        <a:font script="Thai" typeface="Angsana New"/>
-        <a:font script="Ethi" typeface="Nyala"/>
-        <a:font script="Beng" typeface="Vrinda"/>
-        <a:font script="Gujr" typeface="Shruti"/>
-        <a:font script="Khmr" typeface="MoolBoran"/>
-        <a:font script="Knda" typeface="Tunga"/>
-        <a:font script="Guru" typeface="Raavi"/>
-        <a:font script="Cans" typeface="Euphemia"/>
-        <a:font script="Cher" typeface="Plantagenet Cherokee"/>
-        <a:font script="Yiii" typeface="Microsoft Yi Baiti"/>
-        <a:font script="Tibt" typeface="Microsoft Himalaya"/>
-        <a:font script="Thaa" typeface="MV Boli"/>
-        <a:font script="Deva" typeface="Mangal"/>
-        <a:font script="Telu" typeface="Gautami"/>
-        <a:font script="Taml" typeface="Latha"/>
-        <a:font script="Syrc" typeface="Estrangelo Edessa"/>
-        <a:font script="Orya" typeface="Kalinga"/>
-        <a:font script="Mlym" typeface="Kartika"/>
-        <a:font script="Laoo" typeface="DokChampa"/>
-        <a:font script="Sinh" typeface="Iskoola Pota"/>
-        <a:font script="Mong" typeface="Mongolian Baiti"/>
-        <a:font script="Viet" typeface="Times New Roman"/>
-        <a:font script="Uigh" typeface="Microsoft Uighur"/>
-        <a:font script="Geor" typeface="Sylfaen"/>
-      </a:majorFont>
-      <a:minorFont>
-        <a:latin typeface="Arial"/>
-        <a:ea typeface=""/>
-        <a:cs typeface=""/>
-        <a:font script="Jpan" typeface="ＭＳ Ｐゴシック"/>
-        <a:font script="Hang" typeface="맑은 고딕"/>
-        <a:font script="Hans" typeface="宋体"/>
-        <a:font script="Hant" typeface="新細明體"/>
-        <a:font script="Arab" typeface="Arial"/>
-        <a:font script="Hebr" typeface="Arial"/>
-        <a:font script="Thai" typeface="Cordia New"/>
-        <a:font script="Ethi" typeface="Nyala"/>
-        <a:font script="Beng" typeface="Vrinda"/>
-        <a:font script="Gujr" typeface="Shruti"/>
-        <a:font script="Khmr" typeface="DaunPenh"/>
-        <a:font script="Knda" typeface="Tunga"/>
-        <a:font script="Guru" typeface="Raavi"/>
-        <a:font script="Cans" typeface="Euphemia"/>
-        <a:font script="Cher" typeface="Plantagenet Cherokee"/>
-        <a:font script="Yiii" typeface="Microsoft Yi Baiti"/>
-        <a:font script="Tibt" typeface="Microsoft Himalaya"/>
-        <a:font script="Thaa" typeface="MV Boli"/>
-        <a:font script="Deva" typeface="Mangal"/>
-        <a:font script="Telu" typeface="Gautami"/>
-        <a:font script="Taml" typeface="Latha"/>
-        <a:font script="Syrc" typeface="Estrangelo Edessa"/>
-        <a:font script="Orya" typeface="Kalinga"/>
-        <a:font script="Mlym" typeface="Kartika"/>
-        <a:font script="Laoo" typeface="DokChampa"/>
-        <a:font script="Sinh" typeface="Iskoola Pota"/>
-        <a:font script="Mong" typeface="Mongolian Baiti"/>
-        <a:font script="Viet" typeface="Arial"/>
-        <a:font script="Uigh" typeface="Microsoft Uighur"/>
-        <a:font script="Geor" typeface="Sylfaen"/>
-      </a:minorFont>
-    </a:fontScheme>
-    <a:fmtScheme name="Office">
-      <a:fillStyleLst>
-        <a:solidFill>
-          <a:schemeClr val="phClr"/>
-        </a:solidFill>
-        <a:gradFill rotWithShape="1">
-          <a:gsLst>
-            <a:gs pos="0">
-              <a:schemeClr val="phClr">
-                <a:tint val="50000"/>
-                <a:satMod val="300000"/>
-              </a:schemeClr>
-            </a:gs>
-            <a:gs pos="35000">
-              <a:schemeClr val="phClr">
-                <a:tint val="37000"/>
-                <a:satMod val="300000"/>
-              </a:schemeClr>
-            </a:gs>
-            <a:gs pos="100000">
-              <a:schemeClr val="phClr">
-                <a:tint val="15000"/>
-                <a:satMod val="350000"/>
-              </a:schemeClr>
-            </a:gs>
-          </a:gsLst>
-          <a:lin ang="16200000" scaled="1"/>
-        </a:gradFill>
-        <a:gradFill rotWithShape="1">
-          <a:gsLst>
-            <a:gs pos="0">
-              <a:schemeClr val="phClr">
-                <a:tint val="100000"/>
-                <a:shade val="100000"/>
-                <a:satMod val="130000"/>
-              </a:schemeClr>
-            </a:gs>
-            <a:gs pos="100000">
-              <a:schemeClr val="phClr">
-                <a:tint val="50000"/>
-                <a:shade val="100000"/>
-                <a:satMod val="350000"/>
-              </a:schemeClr>
-            </a:gs>
-          </a:gsLst>
-          <a:lin ang="16200000" scaled="0"/>
-        </a:gradFill>
-      </a:fillStyleLst>
-      <a:lnStyleLst>
-        <a:ln w="9525" cap="flat" cmpd="sng" algn="ctr">
-          <a:solidFill>
-            <a:schemeClr val="phClr">
-              <a:shade val="95000"/>
-              <a:satMod val="105000"/>
-            </a:schemeClr>
-          </a:solidFill>
-          <a:prstDash val="solid"/>
-        </a:ln>
-        <a:ln w="25400" cap="flat" cmpd="sng" algn="ctr">
-          <a:solidFill>
-            <a:schemeClr val="phClr"/>
-          </a:solidFill>
-          <a:prstDash val="solid"/>
-        </a:ln>
-        <a:ln w="38100" cap="flat" cmpd="sng" algn="ctr">
-          <a:solidFill>
-            <a:schemeClr val="phClr"/>
-          </a:solidFill>
-          <a:prstDash val="solid"/>
-        </a:ln>
-      </a:lnStyleLst>
-      <a:effectStyleLst>
-        <a:effectStyle>
-          <a:effectLst>
-            <a:outerShdw blurRad="40000" dist="20000" dir="5400000" rotWithShape="0">
-              <a:srgbClr val="000000">
-                <a:alpha val="38000"/>
-              </a:srgbClr>
-            </a:outerShdw>
-          </a:effectLst>
-        </a:effectStyle>
-        <a:effectStyle>
-          <a:effectLst>
-            <a:outerShdw blurRad="40000" dist="23000" dir="5400000" rotWithShape="0">
-              <a:srgbClr val="000000">
-                <a:alpha val="35000"/>
-              </a:srgbClr>
-            </a:outerShdw>
-          </a:effectLst>
-        </a:effectStyle>
-        <a:effectStyle>
-          <a:effectLst>
-            <a:outerShdw blurRad="40000" dist="23000" dir="5400000" rotWithShape="0">
-              <a:srgbClr val="000000">
-                <a:alpha val="35000"/>
-              </a:srgbClr>
-            </a:outerShdw>
-          </a:effectLst>
-          <a:scene3d>
-            <a:camera prst="orthographicFront">
-              <a:rot lat="0" lon="0" rev="0"/>
-            </a:camera>
-            <a:lightRig rig="threePt" dir="t">
-              <a:rot lat="0" lon="0" rev="1200000"/>
-            </a:lightRig>
-          </a:scene3d>
-          <a:sp3d>
-            <a:bevelT w="63500" h="25400"/>
-          </a:sp3d>
-        </a:effectStyle>
-      </a:effectStyleLst>
-      <a:bgFillStyleLst>
-        <a:solidFill>
-          <a:schemeClr val="phClr"/>
-        </a:solidFill>
-        <a:gradFill rotWithShape="1">
-          <a:gsLst>
-            <a:gs pos="0">
-              <a:schemeClr val="phClr">
-                <a:tint val="40000"/>
-                <a:satMod val="350000"/>
-              </a:schemeClr>
-            </a:gs>
-            <a:gs pos="40000">
-              <a:schemeClr val="phClr">
-                <a:tint val="45000"/>
-                <a:shade val="99000"/>
-                <a:satMod val="350000"/>
-              </a:schemeClr>
-            </a:gs>
-            <a:gs pos="100000">
-              <a:schemeClr val="phClr">
-                <a:shade val="20000"/>
-                <a:satMod val="255000"/>
-              </a:schemeClr>
-            </a:gs>
-          </a:gsLst>
-          <a:path path="circle">
-            <a:fillToRect l="50000" t="-80000" r="50000" b="180000"/>
-          </a:path>
-        </a:gradFill>
-        <a:gradFill rotWithShape="1">
-          <a:gsLst>
-            <a:gs pos="0">
-              <a:schemeClr val="phClr">
-                <a:tint val="80000"/>
-                <a:satMod val="300000"/>
-              </a:schemeClr>
-            </a:gs>
-            <a:gs pos="100000">
-              <a:schemeClr val="phClr">
-                <a:shade val="30000"/>
-                <a:satMod val="200000"/>
-              </a:schemeClr>
-            </a:gs>
-          </a:gsLst>
-          <a:path path="circle">
-            <a:fillToRect l="50000" t="50000" r="50000" b="50000"/>
-          </a:path>
-        </a:gradFill>
-      </a:bgFillStyleLst>
-    </a:fmtScheme>
-  </a:themeElements>
-</a:theme>
 </file>